--- a/wireframeproject.pptx
+++ b/wireframeproject.pptx
@@ -9,8 +9,11 @@
     <p:sldId id="257" r:id="rId3"/>
     <p:sldId id="258" r:id="rId4"/>
     <p:sldId id="262" r:id="rId5"/>
-    <p:sldId id="259" r:id="rId6"/>
-    <p:sldId id="260" r:id="rId7"/>
+    <p:sldId id="264" r:id="rId6"/>
+    <p:sldId id="265" r:id="rId7"/>
+    <p:sldId id="259" r:id="rId8"/>
+    <p:sldId id="260" r:id="rId9"/>
+    <p:sldId id="263" r:id="rId10"/>
   </p:sldIdLst>
   <p:sldSz cx="12192000" cy="6858000"/>
   <p:notesSz cx="6858000" cy="9144000"/>
@@ -120,7 +123,7 @@
 <file path=ppt/revisionInfo.xml><?xml version="1.0" encoding="utf-8"?>
 <p1510:revInfo xmlns:a="http://schemas.openxmlformats.org/drawingml/2006/main" xmlns:r="http://schemas.openxmlformats.org/officeDocument/2006/relationships" xmlns:p1510="http://schemas.microsoft.com/office/powerpoint/2015/10/main">
   <p1510:revLst>
-    <p1510:client id="{F2CC1B4B-12AC-4C66-BBE9-D3FA867AEFD8}" v="22" dt="2022-03-13T23:16:00.013"/>
+    <p1510:client id="{F2CC1B4B-12AC-4C66-BBE9-D3FA867AEFD8}" v="25" dt="2022-03-14T17:20:31.241"/>
   </p1510:revLst>
 </p1510:revInfo>
 </file>
@@ -130,7 +133,7 @@
   <pc:docChgLst>
     <pc:chgData name="Angela Noble" userId="00ae0252cece9ef4" providerId="LiveId" clId="{F2CC1B4B-12AC-4C66-BBE9-D3FA867AEFD8}"/>
     <pc:docChg chg="undo custSel addSld delSld modSld sldOrd">
-      <pc:chgData name="Angela Noble" userId="00ae0252cece9ef4" providerId="LiveId" clId="{F2CC1B4B-12AC-4C66-BBE9-D3FA867AEFD8}" dt="2022-03-13T23:26:08.664" v="701" actId="20577"/>
+      <pc:chgData name="Angela Noble" userId="00ae0252cece9ef4" providerId="LiveId" clId="{F2CC1B4B-12AC-4C66-BBE9-D3FA867AEFD8}" dt="2022-03-14T17:20:42.369" v="1048" actId="1076"/>
       <pc:docMkLst>
         <pc:docMk/>
       </pc:docMkLst>
@@ -214,7 +217,7 @@
         </pc:spChg>
       </pc:sldChg>
       <pc:sldChg chg="addSp delSp modSp mod">
-        <pc:chgData name="Angela Noble" userId="00ae0252cece9ef4" providerId="LiveId" clId="{F2CC1B4B-12AC-4C66-BBE9-D3FA867AEFD8}" dt="2022-03-13T23:26:04.596" v="695" actId="20577"/>
+        <pc:chgData name="Angela Noble" userId="00ae0252cece9ef4" providerId="LiveId" clId="{F2CC1B4B-12AC-4C66-BBE9-D3FA867AEFD8}" dt="2022-03-14T17:15:09.917" v="734" actId="20577"/>
         <pc:sldMkLst>
           <pc:docMk/>
           <pc:sldMk cId="3187449387" sldId="257"/>
@@ -252,7 +255,7 @@
           </ac:spMkLst>
         </pc:spChg>
         <pc:spChg chg="mod">
-          <ac:chgData name="Angela Noble" userId="00ae0252cece9ef4" providerId="LiveId" clId="{F2CC1B4B-12AC-4C66-BBE9-D3FA867AEFD8}" dt="2022-03-13T23:26:04.596" v="695" actId="20577"/>
+          <ac:chgData name="Angela Noble" userId="00ae0252cece9ef4" providerId="LiveId" clId="{F2CC1B4B-12AC-4C66-BBE9-D3FA867AEFD8}" dt="2022-03-14T17:15:09.917" v="734" actId="20577"/>
           <ac:spMkLst>
             <pc:docMk/>
             <pc:sldMk cId="3187449387" sldId="257"/>
@@ -349,11 +352,19 @@
         </pc:spChg>
       </pc:sldChg>
       <pc:sldChg chg="addSp delSp modSp add del mod">
-        <pc:chgData name="Angela Noble" userId="00ae0252cece9ef4" providerId="LiveId" clId="{F2CC1B4B-12AC-4C66-BBE9-D3FA867AEFD8}" dt="2022-03-13T23:15:56.201" v="628" actId="2696"/>
+        <pc:chgData name="Angela Noble" userId="00ae0252cece9ef4" providerId="LiveId" clId="{F2CC1B4B-12AC-4C66-BBE9-D3FA867AEFD8}" dt="2022-03-14T17:19:01.195" v="980" actId="20577"/>
         <pc:sldMkLst>
           <pc:docMk/>
           <pc:sldMk cId="3292433102" sldId="258"/>
         </pc:sldMkLst>
+        <pc:spChg chg="add mod">
+          <ac:chgData name="Angela Noble" userId="00ae0252cece9ef4" providerId="LiveId" clId="{F2CC1B4B-12AC-4C66-BBE9-D3FA867AEFD8}" dt="2022-03-14T17:19:01.195" v="980" actId="20577"/>
+          <ac:spMkLst>
+            <pc:docMk/>
+            <pc:sldMk cId="3292433102" sldId="258"/>
+            <ac:spMk id="2" creationId="{24966D2D-9AAC-46A1-B42D-C1411C8D505B}"/>
+          </ac:spMkLst>
+        </pc:spChg>
         <pc:spChg chg="add del mod">
           <ac:chgData name="Angela Noble" userId="00ae0252cece9ef4" providerId="LiveId" clId="{F2CC1B4B-12AC-4C66-BBE9-D3FA867AEFD8}" dt="2022-03-09T18:56:50.329" v="24" actId="478"/>
           <ac:spMkLst>
@@ -370,6 +381,22 @@
             <ac:spMk id="11" creationId="{4C5B4142-70DC-4409-82FA-FE97E1BA60D7}"/>
           </ac:spMkLst>
         </pc:spChg>
+        <pc:spChg chg="mod">
+          <ac:chgData name="Angela Noble" userId="00ae0252cece9ef4" providerId="LiveId" clId="{F2CC1B4B-12AC-4C66-BBE9-D3FA867AEFD8}" dt="2022-03-14T17:14:59.723" v="729" actId="20577"/>
+          <ac:spMkLst>
+            <pc:docMk/>
+            <pc:sldMk cId="3292433102" sldId="258"/>
+            <ac:spMk id="12" creationId="{2A6B50D6-AD41-44FC-AC02-E69693BFB8D2}"/>
+          </ac:spMkLst>
+        </pc:spChg>
+        <pc:spChg chg="mod">
+          <ac:chgData name="Angela Noble" userId="00ae0252cece9ef4" providerId="LiveId" clId="{F2CC1B4B-12AC-4C66-BBE9-D3FA867AEFD8}" dt="2022-03-14T17:16:21.458" v="828" actId="20577"/>
+          <ac:spMkLst>
+            <pc:docMk/>
+            <pc:sldMk cId="3292433102" sldId="258"/>
+            <ac:spMk id="13" creationId="{D96A37FC-D632-4299-8D63-4964ADA00325}"/>
+          </ac:spMkLst>
+        </pc:spChg>
         <pc:spChg chg="add mod">
           <ac:chgData name="Angela Noble" userId="00ae0252cece9ef4" providerId="LiveId" clId="{F2CC1B4B-12AC-4C66-BBE9-D3FA867AEFD8}" dt="2022-03-09T18:57:00.604" v="25"/>
           <ac:spMkLst>
@@ -379,7 +406,7 @@
           </ac:spMkLst>
         </pc:spChg>
         <pc:spChg chg="add mod">
-          <ac:chgData name="Angela Noble" userId="00ae0252cece9ef4" providerId="LiveId" clId="{F2CC1B4B-12AC-4C66-BBE9-D3FA867AEFD8}" dt="2022-03-13T23:15:18.156" v="626" actId="20577"/>
+          <ac:chgData name="Angela Noble" userId="00ae0252cece9ef4" providerId="LiveId" clId="{F2CC1B4B-12AC-4C66-BBE9-D3FA867AEFD8}" dt="2022-03-14T17:14:40.776" v="707" actId="20577"/>
           <ac:spMkLst>
             <pc:docMk/>
             <pc:sldMk cId="3292433102" sldId="258"/>
@@ -528,14 +555,22 @@
           <pc:sldMk cId="4001599471" sldId="261"/>
         </pc:sldMkLst>
       </pc:sldChg>
-      <pc:sldChg chg="modSp add mod">
-        <pc:chgData name="Angela Noble" userId="00ae0252cece9ef4" providerId="LiveId" clId="{F2CC1B4B-12AC-4C66-BBE9-D3FA867AEFD8}" dt="2022-03-13T23:26:08.664" v="701" actId="20577"/>
+      <pc:sldChg chg="addSp modSp add mod">
+        <pc:chgData name="Angela Noble" userId="00ae0252cece9ef4" providerId="LiveId" clId="{F2CC1B4B-12AC-4C66-BBE9-D3FA867AEFD8}" dt="2022-03-14T17:19:15.146" v="996" actId="20577"/>
         <pc:sldMkLst>
           <pc:docMk/>
           <pc:sldMk cId="1312034860" sldId="262"/>
         </pc:sldMkLst>
+        <pc:spChg chg="add mod">
+          <ac:chgData name="Angela Noble" userId="00ae0252cece9ef4" providerId="LiveId" clId="{F2CC1B4B-12AC-4C66-BBE9-D3FA867AEFD8}" dt="2022-03-14T17:19:15.146" v="996" actId="20577"/>
+          <ac:spMkLst>
+            <pc:docMk/>
+            <pc:sldMk cId="1312034860" sldId="262"/>
+            <ac:spMk id="2" creationId="{DAE60707-AE11-4EC8-BC20-E28C183FD87B}"/>
+          </ac:spMkLst>
+        </pc:spChg>
         <pc:spChg chg="mod">
-          <ac:chgData name="Angela Noble" userId="00ae0252cece9ef4" providerId="LiveId" clId="{F2CC1B4B-12AC-4C66-BBE9-D3FA867AEFD8}" dt="2022-03-13T23:26:08.664" v="701" actId="20577"/>
+          <ac:chgData name="Angela Noble" userId="00ae0252cece9ef4" providerId="LiveId" clId="{F2CC1B4B-12AC-4C66-BBE9-D3FA867AEFD8}" dt="2022-03-14T17:14:54.333" v="724" actId="20577"/>
           <ac:spMkLst>
             <pc:docMk/>
             <pc:sldMk cId="1312034860" sldId="262"/>
@@ -543,10 +578,127 @@
           </ac:spMkLst>
         </pc:spChg>
         <pc:spChg chg="mod">
-          <ac:chgData name="Angela Noble" userId="00ae0252cece9ef4" providerId="LiveId" clId="{F2CC1B4B-12AC-4C66-BBE9-D3FA867AEFD8}" dt="2022-03-13T23:16:15.730" v="643" actId="20577"/>
+          <ac:chgData name="Angela Noble" userId="00ae0252cece9ef4" providerId="LiveId" clId="{F2CC1B4B-12AC-4C66-BBE9-D3FA867AEFD8}" dt="2022-03-14T17:16:48.154" v="890" actId="20577"/>
           <ac:spMkLst>
             <pc:docMk/>
             <pc:sldMk cId="1312034860" sldId="262"/>
+            <ac:spMk id="13" creationId="{D96A37FC-D632-4299-8D63-4964ADA00325}"/>
+          </ac:spMkLst>
+        </pc:spChg>
+        <pc:spChg chg="mod">
+          <ac:chgData name="Angela Noble" userId="00ae0252cece9ef4" providerId="LiveId" clId="{F2CC1B4B-12AC-4C66-BBE9-D3FA867AEFD8}" dt="2022-03-14T17:16:27.850" v="833" actId="20577"/>
+          <ac:spMkLst>
+            <pc:docMk/>
+            <pc:sldMk cId="1312034860" sldId="262"/>
+            <ac:spMk id="15" creationId="{60E5CC78-BB3B-4E6F-BC16-AE2E401DA4BA}"/>
+          </ac:spMkLst>
+        </pc:spChg>
+      </pc:sldChg>
+      <pc:sldChg chg="new ord">
+        <pc:chgData name="Angela Noble" userId="00ae0252cece9ef4" providerId="LiveId" clId="{F2CC1B4B-12AC-4C66-BBE9-D3FA867AEFD8}" dt="2022-03-14T17:17:11.592" v="894"/>
+        <pc:sldMkLst>
+          <pc:docMk/>
+          <pc:sldMk cId="122120395" sldId="263"/>
+        </pc:sldMkLst>
+      </pc:sldChg>
+      <pc:sldChg chg="addSp delSp modSp add mod">
+        <pc:chgData name="Angela Noble" userId="00ae0252cece9ef4" providerId="LiveId" clId="{F2CC1B4B-12AC-4C66-BBE9-D3FA867AEFD8}" dt="2022-03-14T17:20:42.369" v="1048" actId="1076"/>
+        <pc:sldMkLst>
+          <pc:docMk/>
+          <pc:sldMk cId="3145161220" sldId="264"/>
+        </pc:sldMkLst>
+        <pc:spChg chg="add mod">
+          <ac:chgData name="Angela Noble" userId="00ae0252cece9ef4" providerId="LiveId" clId="{F2CC1B4B-12AC-4C66-BBE9-D3FA867AEFD8}" dt="2022-03-14T17:18:16.984" v="931" actId="20577"/>
+          <ac:spMkLst>
+            <pc:docMk/>
+            <pc:sldMk cId="3145161220" sldId="264"/>
+            <ac:spMk id="2" creationId="{07288A71-D0CE-4856-9078-92D64399EE90}"/>
+          </ac:spMkLst>
+        </pc:spChg>
+        <pc:spChg chg="add mod">
+          <ac:chgData name="Angela Noble" userId="00ae0252cece9ef4" providerId="LiveId" clId="{F2CC1B4B-12AC-4C66-BBE9-D3FA867AEFD8}" dt="2022-03-14T17:18:23.154" v="942" actId="20577"/>
+          <ac:spMkLst>
+            <pc:docMk/>
+            <pc:sldMk cId="3145161220" sldId="264"/>
+            <ac:spMk id="3" creationId="{45389B79-2FF5-402E-8C66-33442D539BA3}"/>
+          </ac:spMkLst>
+        </pc:spChg>
+        <pc:spChg chg="add mod">
+          <ac:chgData name="Angela Noble" userId="00ae0252cece9ef4" providerId="LiveId" clId="{F2CC1B4B-12AC-4C66-BBE9-D3FA867AEFD8}" dt="2022-03-14T17:18:27.840" v="946" actId="20577"/>
+          <ac:spMkLst>
+            <pc:docMk/>
+            <pc:sldMk cId="3145161220" sldId="264"/>
+            <ac:spMk id="5" creationId="{1680478E-199F-43B8-9DCF-CBA6F3F93858}"/>
+          </ac:spMkLst>
+        </pc:spChg>
+        <pc:spChg chg="add mod">
+          <ac:chgData name="Angela Noble" userId="00ae0252cece9ef4" providerId="LiveId" clId="{F2CC1B4B-12AC-4C66-BBE9-D3FA867AEFD8}" dt="2022-03-14T17:20:42.369" v="1048" actId="1076"/>
+          <ac:spMkLst>
+            <pc:docMk/>
+            <pc:sldMk cId="3145161220" sldId="264"/>
+            <ac:spMk id="11" creationId="{905131C8-B6C9-4781-9EA2-D9964F92F90F}"/>
+          </ac:spMkLst>
+        </pc:spChg>
+        <pc:spChg chg="del mod">
+          <ac:chgData name="Angela Noble" userId="00ae0252cece9ef4" providerId="LiveId" clId="{F2CC1B4B-12AC-4C66-BBE9-D3FA867AEFD8}" dt="2022-03-14T17:17:28.893" v="902" actId="478"/>
+          <ac:spMkLst>
+            <pc:docMk/>
+            <pc:sldMk cId="3145161220" sldId="264"/>
+            <ac:spMk id="13" creationId="{D96A37FC-D632-4299-8D63-4964ADA00325}"/>
+          </ac:spMkLst>
+        </pc:spChg>
+        <pc:spChg chg="mod">
+          <ac:chgData name="Angela Noble" userId="00ae0252cece9ef4" providerId="LiveId" clId="{F2CC1B4B-12AC-4C66-BBE9-D3FA867AEFD8}" dt="2022-03-14T17:19:34.397" v="1011" actId="20577"/>
+          <ac:spMkLst>
+            <pc:docMk/>
+            <pc:sldMk cId="3145161220" sldId="264"/>
+            <ac:spMk id="15" creationId="{60E5CC78-BB3B-4E6F-BC16-AE2E401DA4BA}"/>
+          </ac:spMkLst>
+        </pc:spChg>
+        <pc:spChg chg="add mod">
+          <ac:chgData name="Angela Noble" userId="00ae0252cece9ef4" providerId="LiveId" clId="{F2CC1B4B-12AC-4C66-BBE9-D3FA867AEFD8}" dt="2022-03-14T17:20:40.501" v="1047" actId="1076"/>
+          <ac:spMkLst>
+            <pc:docMk/>
+            <pc:sldMk cId="3145161220" sldId="264"/>
+            <ac:spMk id="16" creationId="{1CF50505-6CB8-4C40-B95B-C86952317571}"/>
+          </ac:spMkLst>
+        </pc:spChg>
+      </pc:sldChg>
+      <pc:sldChg chg="addSp modSp add mod">
+        <pc:chgData name="Angela Noble" userId="00ae0252cece9ef4" providerId="LiveId" clId="{F2CC1B4B-12AC-4C66-BBE9-D3FA867AEFD8}" dt="2022-03-14T17:20:21.652" v="1043" actId="20577"/>
+        <pc:sldMkLst>
+          <pc:docMk/>
+          <pc:sldMk cId="1155430760" sldId="265"/>
+        </pc:sldMkLst>
+        <pc:spChg chg="mod">
+          <ac:chgData name="Angela Noble" userId="00ae0252cece9ef4" providerId="LiveId" clId="{F2CC1B4B-12AC-4C66-BBE9-D3FA867AEFD8}" dt="2022-03-14T17:20:00.679" v="1024" actId="20577"/>
+          <ac:spMkLst>
+            <pc:docMk/>
+            <pc:sldMk cId="1155430760" sldId="265"/>
+            <ac:spMk id="5" creationId="{1680478E-199F-43B8-9DCF-CBA6F3F93858}"/>
+          </ac:spMkLst>
+        </pc:spChg>
+        <pc:spChg chg="mod">
+          <ac:chgData name="Angela Noble" userId="00ae0252cece9ef4" providerId="LiveId" clId="{F2CC1B4B-12AC-4C66-BBE9-D3FA867AEFD8}" dt="2022-03-14T17:19:50.360" v="1017" actId="1076"/>
+          <ac:spMkLst>
+            <pc:docMk/>
+            <pc:sldMk cId="1155430760" sldId="265"/>
+            <ac:spMk id="11" creationId="{905131C8-B6C9-4781-9EA2-D9964F92F90F}"/>
+          </ac:spMkLst>
+        </pc:spChg>
+        <pc:spChg chg="add mod">
+          <ac:chgData name="Angela Noble" userId="00ae0252cece9ef4" providerId="LiveId" clId="{F2CC1B4B-12AC-4C66-BBE9-D3FA867AEFD8}" dt="2022-03-14T17:20:21.652" v="1043" actId="20577"/>
+          <ac:spMkLst>
+            <pc:docMk/>
+            <pc:sldMk cId="1155430760" sldId="265"/>
+            <ac:spMk id="13" creationId="{0C08DC54-F7DA-4B74-9C4F-2E39F48C9450}"/>
+          </ac:spMkLst>
+        </pc:spChg>
+        <pc:spChg chg="mod">
+          <ac:chgData name="Angela Noble" userId="00ae0252cece9ef4" providerId="LiveId" clId="{F2CC1B4B-12AC-4C66-BBE9-D3FA867AEFD8}" dt="2022-03-14T17:19:38.262" v="1016" actId="20577"/>
+          <ac:spMkLst>
+            <pc:docMk/>
+            <pc:sldMk cId="1155430760" sldId="265"/>
             <ac:spMk id="15" creationId="{60E5CC78-BB3B-4E6F-BC16-AE2E401DA4BA}"/>
           </ac:spMkLst>
         </pc:spChg>
@@ -703,7 +855,7 @@
           <a:p>
             <a:fld id="{891AAC4E-9FE4-4EE5-9B9B-8A3B08C97A97}" type="datetimeFigureOut">
               <a:rPr lang="en-US" smtClean="0"/>
-              <a:t>3/13/2022</a:t>
+              <a:t>3/14/2022</a:t>
             </a:fld>
             <a:endParaRPr lang="en-US"/>
           </a:p>
@@ -901,7 +1053,7 @@
           <a:p>
             <a:fld id="{891AAC4E-9FE4-4EE5-9B9B-8A3B08C97A97}" type="datetimeFigureOut">
               <a:rPr lang="en-US" smtClean="0"/>
-              <a:t>3/13/2022</a:t>
+              <a:t>3/14/2022</a:t>
             </a:fld>
             <a:endParaRPr lang="en-US"/>
           </a:p>
@@ -1109,7 +1261,7 @@
           <a:p>
             <a:fld id="{891AAC4E-9FE4-4EE5-9B9B-8A3B08C97A97}" type="datetimeFigureOut">
               <a:rPr lang="en-US" smtClean="0"/>
-              <a:t>3/13/2022</a:t>
+              <a:t>3/14/2022</a:t>
             </a:fld>
             <a:endParaRPr lang="en-US"/>
           </a:p>
@@ -1307,7 +1459,7 @@
           <a:p>
             <a:fld id="{891AAC4E-9FE4-4EE5-9B9B-8A3B08C97A97}" type="datetimeFigureOut">
               <a:rPr lang="en-US" smtClean="0"/>
-              <a:t>3/13/2022</a:t>
+              <a:t>3/14/2022</a:t>
             </a:fld>
             <a:endParaRPr lang="en-US"/>
           </a:p>
@@ -1582,7 +1734,7 @@
           <a:p>
             <a:fld id="{891AAC4E-9FE4-4EE5-9B9B-8A3B08C97A97}" type="datetimeFigureOut">
               <a:rPr lang="en-US" smtClean="0"/>
-              <a:t>3/13/2022</a:t>
+              <a:t>3/14/2022</a:t>
             </a:fld>
             <a:endParaRPr lang="en-US"/>
           </a:p>
@@ -1847,7 +1999,7 @@
           <a:p>
             <a:fld id="{891AAC4E-9FE4-4EE5-9B9B-8A3B08C97A97}" type="datetimeFigureOut">
               <a:rPr lang="en-US" smtClean="0"/>
-              <a:t>3/13/2022</a:t>
+              <a:t>3/14/2022</a:t>
             </a:fld>
             <a:endParaRPr lang="en-US"/>
           </a:p>
@@ -2259,7 +2411,7 @@
           <a:p>
             <a:fld id="{891AAC4E-9FE4-4EE5-9B9B-8A3B08C97A97}" type="datetimeFigureOut">
               <a:rPr lang="en-US" smtClean="0"/>
-              <a:t>3/13/2022</a:t>
+              <a:t>3/14/2022</a:t>
             </a:fld>
             <a:endParaRPr lang="en-US"/>
           </a:p>
@@ -2400,7 +2552,7 @@
           <a:p>
             <a:fld id="{891AAC4E-9FE4-4EE5-9B9B-8A3B08C97A97}" type="datetimeFigureOut">
               <a:rPr lang="en-US" smtClean="0"/>
-              <a:t>3/13/2022</a:t>
+              <a:t>3/14/2022</a:t>
             </a:fld>
             <a:endParaRPr lang="en-US"/>
           </a:p>
@@ -2513,7 +2665,7 @@
           <a:p>
             <a:fld id="{891AAC4E-9FE4-4EE5-9B9B-8A3B08C97A97}" type="datetimeFigureOut">
               <a:rPr lang="en-US" smtClean="0"/>
-              <a:t>3/13/2022</a:t>
+              <a:t>3/14/2022</a:t>
             </a:fld>
             <a:endParaRPr lang="en-US"/>
           </a:p>
@@ -2824,7 +2976,7 @@
           <a:p>
             <a:fld id="{891AAC4E-9FE4-4EE5-9B9B-8A3B08C97A97}" type="datetimeFigureOut">
               <a:rPr lang="en-US" smtClean="0"/>
-              <a:t>3/13/2022</a:t>
+              <a:t>3/14/2022</a:t>
             </a:fld>
             <a:endParaRPr lang="en-US"/>
           </a:p>
@@ -3112,7 +3264,7 @@
           <a:p>
             <a:fld id="{891AAC4E-9FE4-4EE5-9B9B-8A3B08C97A97}" type="datetimeFigureOut">
               <a:rPr lang="en-US" smtClean="0"/>
-              <a:t>3/13/2022</a:t>
+              <a:t>3/14/2022</a:t>
             </a:fld>
             <a:endParaRPr lang="en-US"/>
           </a:p>
@@ -3353,7 +3505,7 @@
           <a:p>
             <a:fld id="{891AAC4E-9FE4-4EE5-9B9B-8A3B08C97A97}" type="datetimeFigureOut">
               <a:rPr lang="en-US" smtClean="0"/>
-              <a:t>3/13/2022</a:t>
+              <a:t>3/14/2022</a:t>
             </a:fld>
             <a:endParaRPr lang="en-US"/>
           </a:p>
@@ -5004,7 +5156,7 @@
           <a:p>
             <a:r>
               <a:rPr lang="en-US" dirty="0"/>
-              <a:t>Page 2</a:t>
+              <a:t>ideas</a:t>
             </a:r>
           </a:p>
           <a:p>
@@ -5781,7 +5933,7 @@
                   <a:schemeClr val="tx1"/>
                 </a:solidFill>
               </a:rPr>
-              <a:t>Page 1</a:t>
+              <a:t>events</a:t>
             </a:r>
           </a:p>
           <a:p>
@@ -5798,7 +5950,7 @@
                   <a:schemeClr val="tx1"/>
                 </a:solidFill>
               </a:rPr>
-              <a:t>Page 2</a:t>
+              <a:t>ideas</a:t>
             </a:r>
           </a:p>
           <a:p>
@@ -5880,8 +6032,96 @@
             <a:pPr algn="ctr"/>
             <a:r>
               <a:rPr lang="en-US" dirty="0"/>
-              <a:t>Content</a:t>
-            </a:r>
+              <a:t>Planned events lists</a:t>
+            </a:r>
+          </a:p>
+          <a:p>
+            <a:pPr algn="ctr"/>
+            <a:r>
+              <a:rPr lang="en-US" dirty="0"/>
+              <a:t>-EVENT</a:t>
+            </a:r>
+          </a:p>
+          <a:p>
+            <a:pPr algn="ctr"/>
+            <a:r>
+              <a:rPr lang="en-US" dirty="0"/>
+              <a:t>	details</a:t>
+            </a:r>
+          </a:p>
+          <a:p>
+            <a:pPr algn="ctr"/>
+            <a:r>
+              <a:rPr lang="en-US" dirty="0"/>
+              <a:t>	time</a:t>
+            </a:r>
+          </a:p>
+          <a:p>
+            <a:pPr algn="ctr"/>
+            <a:r>
+              <a:rPr lang="en-US" dirty="0"/>
+              <a:t>-EVENT</a:t>
+            </a:r>
+          </a:p>
+          <a:p>
+            <a:pPr algn="ctr"/>
+            <a:r>
+              <a:rPr lang="en-US" dirty="0"/>
+              <a:t>	details</a:t>
+            </a:r>
+          </a:p>
+          <a:p>
+            <a:pPr algn="ctr"/>
+            <a:r>
+              <a:rPr lang="en-US" dirty="0"/>
+              <a:t>	time</a:t>
+            </a:r>
+          </a:p>
+          <a:p>
+            <a:pPr algn="ctr"/>
+            <a:r>
+              <a:rPr lang="en-US" dirty="0"/>
+              <a:t>-EVENT</a:t>
+            </a:r>
+          </a:p>
+          <a:p>
+            <a:pPr algn="ctr"/>
+            <a:r>
+              <a:rPr lang="en-US" dirty="0"/>
+              <a:t>	details</a:t>
+            </a:r>
+          </a:p>
+          <a:p>
+            <a:pPr algn="ctr"/>
+            <a:r>
+              <a:rPr lang="en-US" dirty="0"/>
+              <a:t>	time</a:t>
+            </a:r>
+          </a:p>
+          <a:p>
+            <a:pPr algn="ctr"/>
+            <a:r>
+              <a:rPr lang="en-US" dirty="0"/>
+              <a:t>-EVENT</a:t>
+            </a:r>
+          </a:p>
+          <a:p>
+            <a:pPr algn="ctr"/>
+            <a:r>
+              <a:rPr lang="en-US" dirty="0"/>
+              <a:t>	details</a:t>
+            </a:r>
+          </a:p>
+          <a:p>
+            <a:pPr algn="ctr"/>
+            <a:r>
+              <a:rPr lang="en-US" dirty="0"/>
+              <a:t>	time</a:t>
+            </a:r>
+          </a:p>
+          <a:p>
+            <a:pPr algn="ctr"/>
+            <a:endParaRPr lang="en-US" dirty="0"/>
           </a:p>
         </p:txBody>
       </p:sp>
@@ -5992,7 +6232,54 @@
             <a:pPr algn="ctr"/>
             <a:r>
               <a:rPr lang="en-US" dirty="0"/>
-              <a:t>SEARCH</a:t>
+              <a:t>Events</a:t>
+            </a:r>
+          </a:p>
+        </p:txBody>
+      </p:sp>
+      <p:sp>
+        <p:nvSpPr>
+          <p:cNvPr id="2" name="Rectangle 1">
+            <a:extLst>
+              <a:ext uri="{FF2B5EF4-FFF2-40B4-BE49-F238E27FC236}">
+                <a16:creationId xmlns:a16="http://schemas.microsoft.com/office/drawing/2014/main" id="{24966D2D-9AAC-46A1-B42D-C1411C8D505B}"/>
+              </a:ext>
+            </a:extLst>
+          </p:cNvPr>
+          <p:cNvSpPr/>
+          <p:nvPr/>
+        </p:nvSpPr>
+        <p:spPr>
+          <a:xfrm>
+            <a:off x="3200400" y="5063490"/>
+            <a:ext cx="2411730" cy="811530"/>
+          </a:xfrm>
+          <a:prstGeom prst="rect">
+            <a:avLst/>
+          </a:prstGeom>
+        </p:spPr>
+        <p:style>
+          <a:lnRef idx="2">
+            <a:schemeClr val="dk1"/>
+          </a:lnRef>
+          <a:fillRef idx="1">
+            <a:schemeClr val="lt1"/>
+          </a:fillRef>
+          <a:effectRef idx="0">
+            <a:schemeClr val="dk1"/>
+          </a:effectRef>
+          <a:fontRef idx="minor">
+            <a:schemeClr val="dk1"/>
+          </a:fontRef>
+        </p:style>
+        <p:txBody>
+          <a:bodyPr rtlCol="0" anchor="ctr"/>
+          <a:lstStyle/>
+          <a:p>
+            <a:pPr algn="ctr"/>
+            <a:r>
+              <a:rPr lang="en-US" dirty="0"/>
+              <a:t>Create new event</a:t>
             </a:r>
           </a:p>
         </p:txBody>
@@ -6405,13 +6692,15 @@
           </a:p>
           <a:p>
             <a:r>
-              <a:rPr lang="en-US">
+              <a:rPr lang="en-US" dirty="0">
                 <a:solidFill>
                   <a:schemeClr val="tx1"/>
                 </a:solidFill>
               </a:rPr>
               <a:t>Events</a:t>
             </a:r>
+          </a:p>
+          <a:p>
             <a:endParaRPr lang="en-US" dirty="0">
               <a:solidFill>
                 <a:schemeClr val="tx1"/>
@@ -6419,20 +6708,13 @@
             </a:endParaRPr>
           </a:p>
           <a:p>
-            <a:endParaRPr lang="en-US" dirty="0">
-              <a:solidFill>
-                <a:schemeClr val="tx1"/>
-              </a:solidFill>
-            </a:endParaRPr>
-          </a:p>
-          <a:p>
             <a:r>
               <a:rPr lang="en-US" dirty="0">
                 <a:solidFill>
                   <a:schemeClr val="tx1"/>
                 </a:solidFill>
               </a:rPr>
-              <a:t>Page 2</a:t>
+              <a:t>ideas</a:t>
             </a:r>
           </a:p>
           <a:p>
@@ -6514,7 +6796,18 @@
             <a:pPr algn="ctr"/>
             <a:r>
               <a:rPr lang="en-US" dirty="0"/>
-              <a:t>Content</a:t>
+              <a:t>Ideas</a:t>
+            </a:r>
+          </a:p>
+          <a:p>
+            <a:pPr algn="ctr"/>
+            <a:endParaRPr lang="en-US" dirty="0"/>
+          </a:p>
+          <a:p>
+            <a:pPr algn="ctr"/>
+            <a:r>
+              <a:rPr lang="en-US" dirty="0"/>
+              <a:t>Posts looking for feedback for possible events</a:t>
             </a:r>
           </a:p>
         </p:txBody>
@@ -6626,7 +6919,54 @@
             <a:pPr algn="ctr"/>
             <a:r>
               <a:rPr lang="en-US" dirty="0"/>
-              <a:t>CREATE</a:t>
+              <a:t>Ideas</a:t>
+            </a:r>
+          </a:p>
+        </p:txBody>
+      </p:sp>
+      <p:sp>
+        <p:nvSpPr>
+          <p:cNvPr id="2" name="Rectangle 1">
+            <a:extLst>
+              <a:ext uri="{FF2B5EF4-FFF2-40B4-BE49-F238E27FC236}">
+                <a16:creationId xmlns:a16="http://schemas.microsoft.com/office/drawing/2014/main" id="{DAE60707-AE11-4EC8-BC20-E28C183FD87B}"/>
+              </a:ext>
+            </a:extLst>
+          </p:cNvPr>
+          <p:cNvSpPr/>
+          <p:nvPr/>
+        </p:nvSpPr>
+        <p:spPr>
+          <a:xfrm>
+            <a:off x="3086100" y="5063490"/>
+            <a:ext cx="2068830" cy="937260"/>
+          </a:xfrm>
+          <a:prstGeom prst="rect">
+            <a:avLst/>
+          </a:prstGeom>
+        </p:spPr>
+        <p:style>
+          <a:lnRef idx="2">
+            <a:schemeClr val="dk1"/>
+          </a:lnRef>
+          <a:fillRef idx="1">
+            <a:schemeClr val="lt1"/>
+          </a:fillRef>
+          <a:effectRef idx="0">
+            <a:schemeClr val="dk1"/>
+          </a:effectRef>
+          <a:fontRef idx="minor">
+            <a:schemeClr val="dk1"/>
+          </a:fontRef>
+        </p:style>
+        <p:txBody>
+          <a:bodyPr rtlCol="0" anchor="ctr"/>
+          <a:lstStyle/>
+          <a:p>
+            <a:pPr algn="ctr"/>
+            <a:r>
+              <a:rPr lang="en-US" dirty="0"/>
+              <a:t>Create new Idea</a:t>
             </a:r>
           </a:p>
         </p:txBody>
@@ -6666,7 +7006,7 @@
           <p:cNvPr id="4" name="Rectangle 3">
             <a:extLst>
               <a:ext uri="{FF2B5EF4-FFF2-40B4-BE49-F238E27FC236}">
-                <a16:creationId xmlns:a16="http://schemas.microsoft.com/office/drawing/2014/main" id="{511736B7-74E5-40A6-BE8B-365ED125F505}"/>
+                <a16:creationId xmlns:a16="http://schemas.microsoft.com/office/drawing/2014/main" id="{B8756991-D01E-4360-9F5A-F72E7F9FC527}"/>
               </a:ext>
             </a:extLst>
           </p:cNvPr>
@@ -6675,12 +7015,455 @@
         </p:nvSpPr>
         <p:spPr>
           <a:xfrm>
-            <a:off x="5680710" y="566989"/>
-            <a:ext cx="5280660" cy="4560570"/>
-          </a:xfrm>
-          <a:prstGeom prst="rect">
-            <a:avLst/>
-          </a:prstGeom>
+            <a:off x="160020" y="139571"/>
+            <a:ext cx="2057400" cy="4286250"/>
+          </a:xfrm>
+          <a:prstGeom prst="rect">
+            <a:avLst/>
+          </a:prstGeom>
+          <a:solidFill>
+            <a:schemeClr val="bg1"/>
+          </a:solidFill>
+          <a:ln w="28575">
+            <a:solidFill>
+              <a:schemeClr val="tx1">
+                <a:lumMod val="95000"/>
+                <a:lumOff val="5000"/>
+              </a:schemeClr>
+            </a:solidFill>
+          </a:ln>
+        </p:spPr>
+        <p:style>
+          <a:lnRef idx="2">
+            <a:schemeClr val="accent1">
+              <a:shade val="50000"/>
+            </a:schemeClr>
+          </a:lnRef>
+          <a:fillRef idx="1">
+            <a:schemeClr val="accent1"/>
+          </a:fillRef>
+          <a:effectRef idx="0">
+            <a:schemeClr val="accent1"/>
+          </a:effectRef>
+          <a:fontRef idx="minor">
+            <a:schemeClr val="lt1"/>
+          </a:fontRef>
+        </p:style>
+        <p:txBody>
+          <a:bodyPr rtlCol="0" anchor="ctr"/>
+          <a:lstStyle/>
+          <a:p>
+            <a:endParaRPr lang="en-US" dirty="0">
+              <a:solidFill>
+                <a:schemeClr val="tx1"/>
+              </a:solidFill>
+            </a:endParaRPr>
+          </a:p>
+        </p:txBody>
+      </p:sp>
+      <p:sp>
+        <p:nvSpPr>
+          <p:cNvPr id="6" name="Rectangle 5">
+            <a:extLst>
+              <a:ext uri="{FF2B5EF4-FFF2-40B4-BE49-F238E27FC236}">
+                <a16:creationId xmlns:a16="http://schemas.microsoft.com/office/drawing/2014/main" id="{37C1B2DD-719C-4E80-BB38-70FD7DF02C15}"/>
+              </a:ext>
+            </a:extLst>
+          </p:cNvPr>
+          <p:cNvSpPr/>
+          <p:nvPr/>
+        </p:nvSpPr>
+        <p:spPr>
+          <a:xfrm>
+            <a:off x="314325" y="1356866"/>
+            <a:ext cx="765810" cy="400050"/>
+          </a:xfrm>
+          <a:prstGeom prst="rect">
+            <a:avLst/>
+          </a:prstGeom>
+          <a:solidFill>
+            <a:schemeClr val="accent1"/>
+          </a:solidFill>
+        </p:spPr>
+        <p:style>
+          <a:lnRef idx="2">
+            <a:schemeClr val="accent1">
+              <a:shade val="50000"/>
+            </a:schemeClr>
+          </a:lnRef>
+          <a:fillRef idx="1">
+            <a:schemeClr val="accent1"/>
+          </a:fillRef>
+          <a:effectRef idx="0">
+            <a:schemeClr val="accent1"/>
+          </a:effectRef>
+          <a:fontRef idx="minor">
+            <a:schemeClr val="lt1"/>
+          </a:fontRef>
+        </p:style>
+        <p:txBody>
+          <a:bodyPr rtlCol="0" anchor="ctr"/>
+          <a:lstStyle/>
+          <a:p>
+            <a:pPr algn="ctr"/>
+            <a:endParaRPr lang="en-US"/>
+          </a:p>
+        </p:txBody>
+      </p:sp>
+      <p:sp>
+        <p:nvSpPr>
+          <p:cNvPr id="7" name="Rectangle 6">
+            <a:extLst>
+              <a:ext uri="{FF2B5EF4-FFF2-40B4-BE49-F238E27FC236}">
+                <a16:creationId xmlns:a16="http://schemas.microsoft.com/office/drawing/2014/main" id="{8832E32E-3ACA-4A83-A452-DE23D1C9C020}"/>
+              </a:ext>
+            </a:extLst>
+          </p:cNvPr>
+          <p:cNvSpPr/>
+          <p:nvPr/>
+        </p:nvSpPr>
+        <p:spPr>
+          <a:xfrm>
+            <a:off x="314325" y="1882646"/>
+            <a:ext cx="765810" cy="400050"/>
+          </a:xfrm>
+          <a:prstGeom prst="rect">
+            <a:avLst/>
+          </a:prstGeom>
+          <a:solidFill>
+            <a:schemeClr val="accent1"/>
+          </a:solidFill>
+        </p:spPr>
+        <p:style>
+          <a:lnRef idx="2">
+            <a:schemeClr val="accent1">
+              <a:shade val="50000"/>
+            </a:schemeClr>
+          </a:lnRef>
+          <a:fillRef idx="1">
+            <a:schemeClr val="accent1"/>
+          </a:fillRef>
+          <a:effectRef idx="0">
+            <a:schemeClr val="accent1"/>
+          </a:effectRef>
+          <a:fontRef idx="minor">
+            <a:schemeClr val="lt1"/>
+          </a:fontRef>
+        </p:style>
+        <p:txBody>
+          <a:bodyPr rtlCol="0" anchor="ctr"/>
+          <a:lstStyle/>
+          <a:p>
+            <a:pPr algn="ctr"/>
+            <a:endParaRPr lang="en-US"/>
+          </a:p>
+        </p:txBody>
+      </p:sp>
+      <p:sp>
+        <p:nvSpPr>
+          <p:cNvPr id="8" name="Rectangle 7">
+            <a:extLst>
+              <a:ext uri="{FF2B5EF4-FFF2-40B4-BE49-F238E27FC236}">
+                <a16:creationId xmlns:a16="http://schemas.microsoft.com/office/drawing/2014/main" id="{88F831FA-B472-4D42-BA52-9242816664AB}"/>
+              </a:ext>
+            </a:extLst>
+          </p:cNvPr>
+          <p:cNvSpPr/>
+          <p:nvPr/>
+        </p:nvSpPr>
+        <p:spPr>
+          <a:xfrm>
+            <a:off x="314325" y="2448431"/>
+            <a:ext cx="765810" cy="400050"/>
+          </a:xfrm>
+          <a:prstGeom prst="rect">
+            <a:avLst/>
+          </a:prstGeom>
+          <a:solidFill>
+            <a:schemeClr val="accent1"/>
+          </a:solidFill>
+        </p:spPr>
+        <p:style>
+          <a:lnRef idx="2">
+            <a:schemeClr val="accent1">
+              <a:shade val="50000"/>
+            </a:schemeClr>
+          </a:lnRef>
+          <a:fillRef idx="1">
+            <a:schemeClr val="accent1"/>
+          </a:fillRef>
+          <a:effectRef idx="0">
+            <a:schemeClr val="accent1"/>
+          </a:effectRef>
+          <a:fontRef idx="minor">
+            <a:schemeClr val="lt1"/>
+          </a:fontRef>
+        </p:style>
+        <p:txBody>
+          <a:bodyPr rtlCol="0" anchor="ctr"/>
+          <a:lstStyle/>
+          <a:p>
+            <a:pPr algn="ctr"/>
+            <a:endParaRPr lang="en-US"/>
+          </a:p>
+        </p:txBody>
+      </p:sp>
+      <p:sp>
+        <p:nvSpPr>
+          <p:cNvPr id="9" name="Rectangle 8">
+            <a:extLst>
+              <a:ext uri="{FF2B5EF4-FFF2-40B4-BE49-F238E27FC236}">
+                <a16:creationId xmlns:a16="http://schemas.microsoft.com/office/drawing/2014/main" id="{ADC5DAD8-8297-4BBC-A7A2-64EB686E637C}"/>
+              </a:ext>
+            </a:extLst>
+          </p:cNvPr>
+          <p:cNvSpPr/>
+          <p:nvPr/>
+        </p:nvSpPr>
+        <p:spPr>
+          <a:xfrm>
+            <a:off x="314325" y="2997964"/>
+            <a:ext cx="765810" cy="400050"/>
+          </a:xfrm>
+          <a:prstGeom prst="rect">
+            <a:avLst/>
+          </a:prstGeom>
+          <a:solidFill>
+            <a:schemeClr val="accent1"/>
+          </a:solidFill>
+        </p:spPr>
+        <p:style>
+          <a:lnRef idx="2">
+            <a:schemeClr val="accent1">
+              <a:shade val="50000"/>
+            </a:schemeClr>
+          </a:lnRef>
+          <a:fillRef idx="1">
+            <a:schemeClr val="accent1"/>
+          </a:fillRef>
+          <a:effectRef idx="0">
+            <a:schemeClr val="accent1"/>
+          </a:effectRef>
+          <a:fontRef idx="minor">
+            <a:schemeClr val="lt1"/>
+          </a:fontRef>
+        </p:style>
+        <p:txBody>
+          <a:bodyPr rtlCol="0" anchor="ctr"/>
+          <a:lstStyle/>
+          <a:p>
+            <a:pPr algn="ctr"/>
+            <a:endParaRPr lang="en-US"/>
+          </a:p>
+        </p:txBody>
+      </p:sp>
+      <p:sp>
+        <p:nvSpPr>
+          <p:cNvPr id="10" name="Rectangle 9">
+            <a:extLst>
+              <a:ext uri="{FF2B5EF4-FFF2-40B4-BE49-F238E27FC236}">
+                <a16:creationId xmlns:a16="http://schemas.microsoft.com/office/drawing/2014/main" id="{D7F54D7B-E6F1-4894-8FFE-A477070A6328}"/>
+              </a:ext>
+            </a:extLst>
+          </p:cNvPr>
+          <p:cNvSpPr/>
+          <p:nvPr/>
+        </p:nvSpPr>
+        <p:spPr>
+          <a:xfrm>
+            <a:off x="314325" y="3548390"/>
+            <a:ext cx="765810" cy="400050"/>
+          </a:xfrm>
+          <a:prstGeom prst="rect">
+            <a:avLst/>
+          </a:prstGeom>
+          <a:solidFill>
+            <a:schemeClr val="accent1"/>
+          </a:solidFill>
+        </p:spPr>
+        <p:style>
+          <a:lnRef idx="2">
+            <a:schemeClr val="accent1">
+              <a:shade val="50000"/>
+            </a:schemeClr>
+          </a:lnRef>
+          <a:fillRef idx="1">
+            <a:schemeClr val="accent1"/>
+          </a:fillRef>
+          <a:effectRef idx="0">
+            <a:schemeClr val="accent1"/>
+          </a:effectRef>
+          <a:fontRef idx="minor">
+            <a:schemeClr val="lt1"/>
+          </a:fontRef>
+        </p:style>
+        <p:txBody>
+          <a:bodyPr rtlCol="0" anchor="ctr"/>
+          <a:lstStyle/>
+          <a:p>
+            <a:pPr algn="ctr"/>
+            <a:endParaRPr lang="en-US"/>
+          </a:p>
+        </p:txBody>
+      </p:sp>
+      <p:sp>
+        <p:nvSpPr>
+          <p:cNvPr id="12" name="TextBox 11">
+            <a:extLst>
+              <a:ext uri="{FF2B5EF4-FFF2-40B4-BE49-F238E27FC236}">
+                <a16:creationId xmlns:a16="http://schemas.microsoft.com/office/drawing/2014/main" id="{2A6B50D6-AD41-44FC-AC02-E69693BFB8D2}"/>
+              </a:ext>
+            </a:extLst>
+          </p:cNvPr>
+          <p:cNvSpPr txBox="1"/>
+          <p:nvPr/>
+        </p:nvSpPr>
+        <p:spPr>
+          <a:xfrm>
+            <a:off x="314325" y="532120"/>
+            <a:ext cx="1468755" cy="3416320"/>
+          </a:xfrm>
+          <a:prstGeom prst="rect">
+            <a:avLst/>
+          </a:prstGeom>
+          <a:noFill/>
+        </p:spPr>
+        <p:txBody>
+          <a:bodyPr wrap="square">
+            <a:spAutoFit/>
+          </a:bodyPr>
+          <a:lstStyle/>
+          <a:p>
+            <a:r>
+              <a:rPr lang="en-US" dirty="0">
+                <a:solidFill>
+                  <a:schemeClr val="tx1"/>
+                </a:solidFill>
+              </a:rPr>
+              <a:t>Hey, User</a:t>
+            </a:r>
+          </a:p>
+          <a:p>
+            <a:r>
+              <a:rPr lang="en-US" dirty="0">
+                <a:solidFill>
+                  <a:schemeClr val="tx1"/>
+                </a:solidFill>
+              </a:rPr>
+              <a:t>MENU</a:t>
+            </a:r>
+          </a:p>
+          <a:p>
+            <a:endParaRPr lang="en-US" dirty="0">
+              <a:solidFill>
+                <a:schemeClr val="tx1"/>
+              </a:solidFill>
+            </a:endParaRPr>
+          </a:p>
+          <a:p>
+            <a:r>
+              <a:rPr lang="en-US" dirty="0">
+                <a:solidFill>
+                  <a:schemeClr val="tx1"/>
+                </a:solidFill>
+              </a:rPr>
+              <a:t>Home</a:t>
+            </a:r>
+          </a:p>
+          <a:p>
+            <a:endParaRPr lang="en-US" dirty="0">
+              <a:solidFill>
+                <a:schemeClr val="tx1"/>
+              </a:solidFill>
+            </a:endParaRPr>
+          </a:p>
+          <a:p>
+            <a:r>
+              <a:rPr lang="en-US" dirty="0">
+                <a:solidFill>
+                  <a:schemeClr val="tx1"/>
+                </a:solidFill>
+              </a:rPr>
+              <a:t>Events</a:t>
+            </a:r>
+          </a:p>
+          <a:p>
+            <a:endParaRPr lang="en-US" dirty="0">
+              <a:solidFill>
+                <a:schemeClr val="tx1"/>
+              </a:solidFill>
+            </a:endParaRPr>
+          </a:p>
+          <a:p>
+            <a:r>
+              <a:rPr lang="en-US" dirty="0">
+                <a:solidFill>
+                  <a:schemeClr val="tx1"/>
+                </a:solidFill>
+              </a:rPr>
+              <a:t>ideas</a:t>
+            </a:r>
+          </a:p>
+          <a:p>
+            <a:endParaRPr lang="en-US" dirty="0">
+              <a:solidFill>
+                <a:schemeClr val="tx1"/>
+              </a:solidFill>
+            </a:endParaRPr>
+          </a:p>
+          <a:p>
+            <a:r>
+              <a:rPr lang="en-US" dirty="0">
+                <a:solidFill>
+                  <a:schemeClr val="tx1"/>
+                </a:solidFill>
+              </a:rPr>
+              <a:t>News</a:t>
+            </a:r>
+          </a:p>
+          <a:p>
+            <a:endParaRPr lang="en-US" dirty="0">
+              <a:solidFill>
+                <a:schemeClr val="tx1"/>
+              </a:solidFill>
+            </a:endParaRPr>
+          </a:p>
+          <a:p>
+            <a:r>
+              <a:rPr lang="en-US" dirty="0">
+                <a:solidFill>
+                  <a:schemeClr val="tx1"/>
+                </a:solidFill>
+              </a:rPr>
+              <a:t>Logout</a:t>
+            </a:r>
+            <a:endParaRPr lang="en-US" dirty="0"/>
+          </a:p>
+        </p:txBody>
+      </p:sp>
+      <p:sp>
+        <p:nvSpPr>
+          <p:cNvPr id="14" name="Rectangle 13">
+            <a:extLst>
+              <a:ext uri="{FF2B5EF4-FFF2-40B4-BE49-F238E27FC236}">
+                <a16:creationId xmlns:a16="http://schemas.microsoft.com/office/drawing/2014/main" id="{D886C222-A98C-41AC-B33A-C13102137937}"/>
+              </a:ext>
+            </a:extLst>
+          </p:cNvPr>
+          <p:cNvSpPr/>
+          <p:nvPr/>
+        </p:nvSpPr>
+        <p:spPr>
+          <a:xfrm>
+            <a:off x="1394460" y="1356865"/>
+            <a:ext cx="662940" cy="400051"/>
+          </a:xfrm>
+          <a:prstGeom prst="rect">
+            <a:avLst/>
+          </a:prstGeom>
+          <a:solidFill>
+            <a:schemeClr val="accent1"/>
+          </a:solidFill>
         </p:spPr>
         <p:style>
           <a:lnRef idx="2">
@@ -6702,26 +7485,30 @@
           <a:p>
             <a:pPr algn="ctr"/>
             <a:r>
-              <a:rPr lang="en-US" dirty="0"/>
-              <a:t>GOOGLE MAP</a:t>
-            </a:r>
-          </a:p>
-          <a:p>
-            <a:pPr algn="ctr"/>
-            <a:r>
-              <a:rPr lang="en-US"/>
-              <a:t>API ?</a:t>
-            </a:r>
-            <a:endParaRPr lang="en-US" dirty="0"/>
-          </a:p>
-        </p:txBody>
-      </p:sp>
-      <p:sp>
-        <p:nvSpPr>
-          <p:cNvPr id="5" name="Rectangle 4">
-            <a:extLst>
-              <a:ext uri="{FF2B5EF4-FFF2-40B4-BE49-F238E27FC236}">
-                <a16:creationId xmlns:a16="http://schemas.microsoft.com/office/drawing/2014/main" id="{18B26273-078E-48F6-A9AA-E362FE1C6F70}"/>
+              <a:rPr lang="en-US" dirty="0">
+                <a:ln w="0"/>
+                <a:solidFill>
+                  <a:schemeClr val="tx1"/>
+                </a:solidFill>
+                <a:effectLst>
+                  <a:outerShdw blurRad="38100" dist="19050" dir="2700000" algn="tl" rotWithShape="0">
+                    <a:schemeClr val="dk1">
+                      <a:alpha val="40000"/>
+                    </a:schemeClr>
+                  </a:outerShdw>
+                </a:effectLst>
+              </a:rPr>
+              <a:t>MAP</a:t>
+            </a:r>
+          </a:p>
+        </p:txBody>
+      </p:sp>
+      <p:sp>
+        <p:nvSpPr>
+          <p:cNvPr id="15" name="Rectangle 14">
+            <a:extLst>
+              <a:ext uri="{FF2B5EF4-FFF2-40B4-BE49-F238E27FC236}">
+                <a16:creationId xmlns:a16="http://schemas.microsoft.com/office/drawing/2014/main" id="{60E5CC78-BB3B-4E6F-BC16-AE2E401DA4BA}"/>
               </a:ext>
             </a:extLst>
           </p:cNvPr>
@@ -6761,17 +7548,17 @@
             <a:pPr algn="ctr"/>
             <a:r>
               <a:rPr lang="en-US" dirty="0"/>
-              <a:t>MAPS</a:t>
-            </a:r>
-          </a:p>
-        </p:txBody>
-      </p:sp>
-      <p:sp>
-        <p:nvSpPr>
-          <p:cNvPr id="6" name="Rectangle 5">
-            <a:extLst>
-              <a:ext uri="{FF2B5EF4-FFF2-40B4-BE49-F238E27FC236}">
-                <a16:creationId xmlns:a16="http://schemas.microsoft.com/office/drawing/2014/main" id="{A8AF8A8C-0F9D-4B5E-AABA-E4415370A07B}"/>
+              <a:t>Create Event</a:t>
+            </a:r>
+          </a:p>
+        </p:txBody>
+      </p:sp>
+      <p:sp>
+        <p:nvSpPr>
+          <p:cNvPr id="2" name="Rectangle 1">
+            <a:extLst>
+              <a:ext uri="{FF2B5EF4-FFF2-40B4-BE49-F238E27FC236}">
+                <a16:creationId xmlns:a16="http://schemas.microsoft.com/office/drawing/2014/main" id="{07288A71-D0CE-4856-9078-92D64399EE90}"/>
               </a:ext>
             </a:extLst>
           </p:cNvPr>
@@ -6780,15 +7567,12 @@
         </p:nvSpPr>
         <p:spPr>
           <a:xfrm>
-            <a:off x="1394460" y="882519"/>
-            <a:ext cx="3377565" cy="3929509"/>
-          </a:xfrm>
-          <a:prstGeom prst="rect">
-            <a:avLst/>
-          </a:prstGeom>
-          <a:solidFill>
-            <a:schemeClr val="accent3"/>
-          </a:solidFill>
+            <a:off x="3303270" y="377190"/>
+            <a:ext cx="5795010" cy="537210"/>
+          </a:xfrm>
+          <a:prstGeom prst="rect">
+            <a:avLst/>
+          </a:prstGeom>
         </p:spPr>
         <p:style>
           <a:lnRef idx="2">
@@ -6811,7 +7595,195 @@
             <a:pPr algn="ctr"/>
             <a:r>
               <a:rPr lang="en-US" dirty="0"/>
-              <a:t>YOUR EVENTS</a:t>
+              <a:t>Title</a:t>
+            </a:r>
+          </a:p>
+        </p:txBody>
+      </p:sp>
+      <p:sp>
+        <p:nvSpPr>
+          <p:cNvPr id="3" name="Rectangle 2">
+            <a:extLst>
+              <a:ext uri="{FF2B5EF4-FFF2-40B4-BE49-F238E27FC236}">
+                <a16:creationId xmlns:a16="http://schemas.microsoft.com/office/drawing/2014/main" id="{45389B79-2FF5-402E-8C66-33442D539BA3}"/>
+              </a:ext>
+            </a:extLst>
+          </p:cNvPr>
+          <p:cNvSpPr/>
+          <p:nvPr/>
+        </p:nvSpPr>
+        <p:spPr>
+          <a:xfrm>
+            <a:off x="3303270" y="1356865"/>
+            <a:ext cx="6549390" cy="1923545"/>
+          </a:xfrm>
+          <a:prstGeom prst="rect">
+            <a:avLst/>
+          </a:prstGeom>
+        </p:spPr>
+        <p:style>
+          <a:lnRef idx="2">
+            <a:schemeClr val="dk1"/>
+          </a:lnRef>
+          <a:fillRef idx="1">
+            <a:schemeClr val="lt1"/>
+          </a:fillRef>
+          <a:effectRef idx="0">
+            <a:schemeClr val="dk1"/>
+          </a:effectRef>
+          <a:fontRef idx="minor">
+            <a:schemeClr val="dk1"/>
+          </a:fontRef>
+        </p:style>
+        <p:txBody>
+          <a:bodyPr rtlCol="0" anchor="ctr"/>
+          <a:lstStyle/>
+          <a:p>
+            <a:pPr algn="ctr"/>
+            <a:r>
+              <a:rPr lang="en-US" dirty="0"/>
+              <a:t>Description</a:t>
+            </a:r>
+          </a:p>
+        </p:txBody>
+      </p:sp>
+      <p:sp>
+        <p:nvSpPr>
+          <p:cNvPr id="5" name="Rectangle 4">
+            <a:extLst>
+              <a:ext uri="{FF2B5EF4-FFF2-40B4-BE49-F238E27FC236}">
+                <a16:creationId xmlns:a16="http://schemas.microsoft.com/office/drawing/2014/main" id="{1680478E-199F-43B8-9DCF-CBA6F3F93858}"/>
+              </a:ext>
+            </a:extLst>
+          </p:cNvPr>
+          <p:cNvSpPr/>
+          <p:nvPr/>
+        </p:nvSpPr>
+        <p:spPr>
+          <a:xfrm>
+            <a:off x="3303270" y="3548390"/>
+            <a:ext cx="3577590" cy="509260"/>
+          </a:xfrm>
+          <a:prstGeom prst="rect">
+            <a:avLst/>
+          </a:prstGeom>
+        </p:spPr>
+        <p:style>
+          <a:lnRef idx="2">
+            <a:schemeClr val="dk1"/>
+          </a:lnRef>
+          <a:fillRef idx="1">
+            <a:schemeClr val="lt1"/>
+          </a:fillRef>
+          <a:effectRef idx="0">
+            <a:schemeClr val="dk1"/>
+          </a:effectRef>
+          <a:fontRef idx="minor">
+            <a:schemeClr val="dk1"/>
+          </a:fontRef>
+        </p:style>
+        <p:txBody>
+          <a:bodyPr rtlCol="0" anchor="ctr"/>
+          <a:lstStyle/>
+          <a:p>
+            <a:pPr algn="ctr"/>
+            <a:r>
+              <a:rPr lang="en-US" dirty="0"/>
+              <a:t>time</a:t>
+            </a:r>
+          </a:p>
+        </p:txBody>
+      </p:sp>
+      <p:sp>
+        <p:nvSpPr>
+          <p:cNvPr id="11" name="Rectangle 10">
+            <a:extLst>
+              <a:ext uri="{FF2B5EF4-FFF2-40B4-BE49-F238E27FC236}">
+                <a16:creationId xmlns:a16="http://schemas.microsoft.com/office/drawing/2014/main" id="{905131C8-B6C9-4781-9EA2-D9964F92F90F}"/>
+              </a:ext>
+            </a:extLst>
+          </p:cNvPr>
+          <p:cNvSpPr/>
+          <p:nvPr/>
+        </p:nvSpPr>
+        <p:spPr>
+          <a:xfrm>
+            <a:off x="3303270" y="5125462"/>
+            <a:ext cx="2114550" cy="509260"/>
+          </a:xfrm>
+          <a:prstGeom prst="rect">
+            <a:avLst/>
+          </a:prstGeom>
+        </p:spPr>
+        <p:style>
+          <a:lnRef idx="2">
+            <a:schemeClr val="dk1"/>
+          </a:lnRef>
+          <a:fillRef idx="1">
+            <a:schemeClr val="lt1"/>
+          </a:fillRef>
+          <a:effectRef idx="0">
+            <a:schemeClr val="dk1"/>
+          </a:effectRef>
+          <a:fontRef idx="minor">
+            <a:schemeClr val="dk1"/>
+          </a:fontRef>
+        </p:style>
+        <p:txBody>
+          <a:bodyPr rtlCol="0" anchor="ctr"/>
+          <a:lstStyle/>
+          <a:p>
+            <a:pPr algn="ctr"/>
+            <a:r>
+              <a:rPr lang="en-US" dirty="0"/>
+              <a:t>submit</a:t>
+            </a:r>
+          </a:p>
+        </p:txBody>
+      </p:sp>
+      <p:sp>
+        <p:nvSpPr>
+          <p:cNvPr id="16" name="Rectangle 15">
+            <a:extLst>
+              <a:ext uri="{FF2B5EF4-FFF2-40B4-BE49-F238E27FC236}">
+                <a16:creationId xmlns:a16="http://schemas.microsoft.com/office/drawing/2014/main" id="{1CF50505-6CB8-4C40-B95B-C86952317571}"/>
+              </a:ext>
+            </a:extLst>
+          </p:cNvPr>
+          <p:cNvSpPr/>
+          <p:nvPr/>
+        </p:nvSpPr>
+        <p:spPr>
+          <a:xfrm>
+            <a:off x="7418070" y="3527941"/>
+            <a:ext cx="2434590" cy="543550"/>
+          </a:xfrm>
+          <a:prstGeom prst="rect">
+            <a:avLst/>
+          </a:prstGeom>
+        </p:spPr>
+        <p:style>
+          <a:lnRef idx="2">
+            <a:schemeClr val="dk1"/>
+          </a:lnRef>
+          <a:fillRef idx="1">
+            <a:schemeClr val="lt1"/>
+          </a:fillRef>
+          <a:effectRef idx="0">
+            <a:schemeClr val="dk1"/>
+          </a:effectRef>
+          <a:fontRef idx="minor">
+            <a:schemeClr val="dk1"/>
+          </a:fontRef>
+        </p:style>
+        <p:txBody>
+          <a:bodyPr rtlCol="0" anchor="ctr"/>
+          <a:lstStyle/>
+          <a:p>
+            <a:pPr algn="ctr"/>
+            <a:r>
+              <a:rPr lang="en-US" dirty="0"/>
+              <a:t>Type of event</a:t>
             </a:r>
           </a:p>
         </p:txBody>
@@ -6819,7 +7791,7 @@
     </p:spTree>
     <p:extLst>
       <p:ext uri="{BB962C8B-B14F-4D97-AF65-F5344CB8AC3E}">
-        <p14:creationId xmlns:p14="http://schemas.microsoft.com/office/powerpoint/2010/main" val="1268148622"/>
+        <p14:creationId xmlns:p14="http://schemas.microsoft.com/office/powerpoint/2010/main" val="3145161220"/>
       </p:ext>
     </p:extLst>
   </p:cSld>
@@ -6851,7 +7823,7 @@
           <p:cNvPr id="4" name="Rectangle 3">
             <a:extLst>
               <a:ext uri="{FF2B5EF4-FFF2-40B4-BE49-F238E27FC236}">
-                <a16:creationId xmlns:a16="http://schemas.microsoft.com/office/drawing/2014/main" id="{F31150BC-B7F2-4F8C-8A6C-60BA57BB9702}"/>
+                <a16:creationId xmlns:a16="http://schemas.microsoft.com/office/drawing/2014/main" id="{B8756991-D01E-4360-9F5A-F72E7F9FC527}"/>
               </a:ext>
             </a:extLst>
           </p:cNvPr>
@@ -6860,14 +7832,454 @@
         </p:nvSpPr>
         <p:spPr>
           <a:xfrm>
-            <a:off x="131445" y="-589270"/>
-            <a:ext cx="1263015" cy="532120"/>
+            <a:off x="160020" y="139571"/>
+            <a:ext cx="2057400" cy="4286250"/>
           </a:xfrm>
           <a:prstGeom prst="rect">
             <a:avLst/>
           </a:prstGeom>
           <a:solidFill>
-            <a:srgbClr val="FF0000"/>
+            <a:schemeClr val="bg1"/>
+          </a:solidFill>
+          <a:ln w="28575">
+            <a:solidFill>
+              <a:schemeClr val="tx1">
+                <a:lumMod val="95000"/>
+                <a:lumOff val="5000"/>
+              </a:schemeClr>
+            </a:solidFill>
+          </a:ln>
+        </p:spPr>
+        <p:style>
+          <a:lnRef idx="2">
+            <a:schemeClr val="accent1">
+              <a:shade val="50000"/>
+            </a:schemeClr>
+          </a:lnRef>
+          <a:fillRef idx="1">
+            <a:schemeClr val="accent1"/>
+          </a:fillRef>
+          <a:effectRef idx="0">
+            <a:schemeClr val="accent1"/>
+          </a:effectRef>
+          <a:fontRef idx="minor">
+            <a:schemeClr val="lt1"/>
+          </a:fontRef>
+        </p:style>
+        <p:txBody>
+          <a:bodyPr rtlCol="0" anchor="ctr"/>
+          <a:lstStyle/>
+          <a:p>
+            <a:endParaRPr lang="en-US" dirty="0">
+              <a:solidFill>
+                <a:schemeClr val="tx1"/>
+              </a:solidFill>
+            </a:endParaRPr>
+          </a:p>
+        </p:txBody>
+      </p:sp>
+      <p:sp>
+        <p:nvSpPr>
+          <p:cNvPr id="6" name="Rectangle 5">
+            <a:extLst>
+              <a:ext uri="{FF2B5EF4-FFF2-40B4-BE49-F238E27FC236}">
+                <a16:creationId xmlns:a16="http://schemas.microsoft.com/office/drawing/2014/main" id="{37C1B2DD-719C-4E80-BB38-70FD7DF02C15}"/>
+              </a:ext>
+            </a:extLst>
+          </p:cNvPr>
+          <p:cNvSpPr/>
+          <p:nvPr/>
+        </p:nvSpPr>
+        <p:spPr>
+          <a:xfrm>
+            <a:off x="314325" y="1356866"/>
+            <a:ext cx="765810" cy="400050"/>
+          </a:xfrm>
+          <a:prstGeom prst="rect">
+            <a:avLst/>
+          </a:prstGeom>
+          <a:solidFill>
+            <a:schemeClr val="accent1"/>
+          </a:solidFill>
+        </p:spPr>
+        <p:style>
+          <a:lnRef idx="2">
+            <a:schemeClr val="accent1">
+              <a:shade val="50000"/>
+            </a:schemeClr>
+          </a:lnRef>
+          <a:fillRef idx="1">
+            <a:schemeClr val="accent1"/>
+          </a:fillRef>
+          <a:effectRef idx="0">
+            <a:schemeClr val="accent1"/>
+          </a:effectRef>
+          <a:fontRef idx="minor">
+            <a:schemeClr val="lt1"/>
+          </a:fontRef>
+        </p:style>
+        <p:txBody>
+          <a:bodyPr rtlCol="0" anchor="ctr"/>
+          <a:lstStyle/>
+          <a:p>
+            <a:pPr algn="ctr"/>
+            <a:endParaRPr lang="en-US"/>
+          </a:p>
+        </p:txBody>
+      </p:sp>
+      <p:sp>
+        <p:nvSpPr>
+          <p:cNvPr id="7" name="Rectangle 6">
+            <a:extLst>
+              <a:ext uri="{FF2B5EF4-FFF2-40B4-BE49-F238E27FC236}">
+                <a16:creationId xmlns:a16="http://schemas.microsoft.com/office/drawing/2014/main" id="{8832E32E-3ACA-4A83-A452-DE23D1C9C020}"/>
+              </a:ext>
+            </a:extLst>
+          </p:cNvPr>
+          <p:cNvSpPr/>
+          <p:nvPr/>
+        </p:nvSpPr>
+        <p:spPr>
+          <a:xfrm>
+            <a:off x="314325" y="1882646"/>
+            <a:ext cx="765810" cy="400050"/>
+          </a:xfrm>
+          <a:prstGeom prst="rect">
+            <a:avLst/>
+          </a:prstGeom>
+          <a:solidFill>
+            <a:schemeClr val="accent1"/>
+          </a:solidFill>
+        </p:spPr>
+        <p:style>
+          <a:lnRef idx="2">
+            <a:schemeClr val="accent1">
+              <a:shade val="50000"/>
+            </a:schemeClr>
+          </a:lnRef>
+          <a:fillRef idx="1">
+            <a:schemeClr val="accent1"/>
+          </a:fillRef>
+          <a:effectRef idx="0">
+            <a:schemeClr val="accent1"/>
+          </a:effectRef>
+          <a:fontRef idx="minor">
+            <a:schemeClr val="lt1"/>
+          </a:fontRef>
+        </p:style>
+        <p:txBody>
+          <a:bodyPr rtlCol="0" anchor="ctr"/>
+          <a:lstStyle/>
+          <a:p>
+            <a:pPr algn="ctr"/>
+            <a:endParaRPr lang="en-US"/>
+          </a:p>
+        </p:txBody>
+      </p:sp>
+      <p:sp>
+        <p:nvSpPr>
+          <p:cNvPr id="8" name="Rectangle 7">
+            <a:extLst>
+              <a:ext uri="{FF2B5EF4-FFF2-40B4-BE49-F238E27FC236}">
+                <a16:creationId xmlns:a16="http://schemas.microsoft.com/office/drawing/2014/main" id="{88F831FA-B472-4D42-BA52-9242816664AB}"/>
+              </a:ext>
+            </a:extLst>
+          </p:cNvPr>
+          <p:cNvSpPr/>
+          <p:nvPr/>
+        </p:nvSpPr>
+        <p:spPr>
+          <a:xfrm>
+            <a:off x="314325" y="2448431"/>
+            <a:ext cx="765810" cy="400050"/>
+          </a:xfrm>
+          <a:prstGeom prst="rect">
+            <a:avLst/>
+          </a:prstGeom>
+          <a:solidFill>
+            <a:schemeClr val="accent1"/>
+          </a:solidFill>
+        </p:spPr>
+        <p:style>
+          <a:lnRef idx="2">
+            <a:schemeClr val="accent1">
+              <a:shade val="50000"/>
+            </a:schemeClr>
+          </a:lnRef>
+          <a:fillRef idx="1">
+            <a:schemeClr val="accent1"/>
+          </a:fillRef>
+          <a:effectRef idx="0">
+            <a:schemeClr val="accent1"/>
+          </a:effectRef>
+          <a:fontRef idx="minor">
+            <a:schemeClr val="lt1"/>
+          </a:fontRef>
+        </p:style>
+        <p:txBody>
+          <a:bodyPr rtlCol="0" anchor="ctr"/>
+          <a:lstStyle/>
+          <a:p>
+            <a:pPr algn="ctr"/>
+            <a:endParaRPr lang="en-US"/>
+          </a:p>
+        </p:txBody>
+      </p:sp>
+      <p:sp>
+        <p:nvSpPr>
+          <p:cNvPr id="9" name="Rectangle 8">
+            <a:extLst>
+              <a:ext uri="{FF2B5EF4-FFF2-40B4-BE49-F238E27FC236}">
+                <a16:creationId xmlns:a16="http://schemas.microsoft.com/office/drawing/2014/main" id="{ADC5DAD8-8297-4BBC-A7A2-64EB686E637C}"/>
+              </a:ext>
+            </a:extLst>
+          </p:cNvPr>
+          <p:cNvSpPr/>
+          <p:nvPr/>
+        </p:nvSpPr>
+        <p:spPr>
+          <a:xfrm>
+            <a:off x="314325" y="2997964"/>
+            <a:ext cx="765810" cy="400050"/>
+          </a:xfrm>
+          <a:prstGeom prst="rect">
+            <a:avLst/>
+          </a:prstGeom>
+          <a:solidFill>
+            <a:schemeClr val="accent1"/>
+          </a:solidFill>
+        </p:spPr>
+        <p:style>
+          <a:lnRef idx="2">
+            <a:schemeClr val="accent1">
+              <a:shade val="50000"/>
+            </a:schemeClr>
+          </a:lnRef>
+          <a:fillRef idx="1">
+            <a:schemeClr val="accent1"/>
+          </a:fillRef>
+          <a:effectRef idx="0">
+            <a:schemeClr val="accent1"/>
+          </a:effectRef>
+          <a:fontRef idx="minor">
+            <a:schemeClr val="lt1"/>
+          </a:fontRef>
+        </p:style>
+        <p:txBody>
+          <a:bodyPr rtlCol="0" anchor="ctr"/>
+          <a:lstStyle/>
+          <a:p>
+            <a:pPr algn="ctr"/>
+            <a:endParaRPr lang="en-US"/>
+          </a:p>
+        </p:txBody>
+      </p:sp>
+      <p:sp>
+        <p:nvSpPr>
+          <p:cNvPr id="10" name="Rectangle 9">
+            <a:extLst>
+              <a:ext uri="{FF2B5EF4-FFF2-40B4-BE49-F238E27FC236}">
+                <a16:creationId xmlns:a16="http://schemas.microsoft.com/office/drawing/2014/main" id="{D7F54D7B-E6F1-4894-8FFE-A477070A6328}"/>
+              </a:ext>
+            </a:extLst>
+          </p:cNvPr>
+          <p:cNvSpPr/>
+          <p:nvPr/>
+        </p:nvSpPr>
+        <p:spPr>
+          <a:xfrm>
+            <a:off x="314325" y="3548390"/>
+            <a:ext cx="765810" cy="400050"/>
+          </a:xfrm>
+          <a:prstGeom prst="rect">
+            <a:avLst/>
+          </a:prstGeom>
+          <a:solidFill>
+            <a:schemeClr val="accent1"/>
+          </a:solidFill>
+        </p:spPr>
+        <p:style>
+          <a:lnRef idx="2">
+            <a:schemeClr val="accent1">
+              <a:shade val="50000"/>
+            </a:schemeClr>
+          </a:lnRef>
+          <a:fillRef idx="1">
+            <a:schemeClr val="accent1"/>
+          </a:fillRef>
+          <a:effectRef idx="0">
+            <a:schemeClr val="accent1"/>
+          </a:effectRef>
+          <a:fontRef idx="minor">
+            <a:schemeClr val="lt1"/>
+          </a:fontRef>
+        </p:style>
+        <p:txBody>
+          <a:bodyPr rtlCol="0" anchor="ctr"/>
+          <a:lstStyle/>
+          <a:p>
+            <a:pPr algn="ctr"/>
+            <a:endParaRPr lang="en-US"/>
+          </a:p>
+        </p:txBody>
+      </p:sp>
+      <p:sp>
+        <p:nvSpPr>
+          <p:cNvPr id="12" name="TextBox 11">
+            <a:extLst>
+              <a:ext uri="{FF2B5EF4-FFF2-40B4-BE49-F238E27FC236}">
+                <a16:creationId xmlns:a16="http://schemas.microsoft.com/office/drawing/2014/main" id="{2A6B50D6-AD41-44FC-AC02-E69693BFB8D2}"/>
+              </a:ext>
+            </a:extLst>
+          </p:cNvPr>
+          <p:cNvSpPr txBox="1"/>
+          <p:nvPr/>
+        </p:nvSpPr>
+        <p:spPr>
+          <a:xfrm>
+            <a:off x="314325" y="532120"/>
+            <a:ext cx="1468755" cy="3416320"/>
+          </a:xfrm>
+          <a:prstGeom prst="rect">
+            <a:avLst/>
+          </a:prstGeom>
+          <a:noFill/>
+        </p:spPr>
+        <p:txBody>
+          <a:bodyPr wrap="square">
+            <a:spAutoFit/>
+          </a:bodyPr>
+          <a:lstStyle/>
+          <a:p>
+            <a:r>
+              <a:rPr lang="en-US" dirty="0">
+                <a:solidFill>
+                  <a:schemeClr val="tx1"/>
+                </a:solidFill>
+              </a:rPr>
+              <a:t>Hey, User</a:t>
+            </a:r>
+          </a:p>
+          <a:p>
+            <a:r>
+              <a:rPr lang="en-US" dirty="0">
+                <a:solidFill>
+                  <a:schemeClr val="tx1"/>
+                </a:solidFill>
+              </a:rPr>
+              <a:t>MENU</a:t>
+            </a:r>
+          </a:p>
+          <a:p>
+            <a:endParaRPr lang="en-US" dirty="0">
+              <a:solidFill>
+                <a:schemeClr val="tx1"/>
+              </a:solidFill>
+            </a:endParaRPr>
+          </a:p>
+          <a:p>
+            <a:r>
+              <a:rPr lang="en-US" dirty="0">
+                <a:solidFill>
+                  <a:schemeClr val="tx1"/>
+                </a:solidFill>
+              </a:rPr>
+              <a:t>Home</a:t>
+            </a:r>
+          </a:p>
+          <a:p>
+            <a:endParaRPr lang="en-US" dirty="0">
+              <a:solidFill>
+                <a:schemeClr val="tx1"/>
+              </a:solidFill>
+            </a:endParaRPr>
+          </a:p>
+          <a:p>
+            <a:r>
+              <a:rPr lang="en-US" dirty="0">
+                <a:solidFill>
+                  <a:schemeClr val="tx1"/>
+                </a:solidFill>
+              </a:rPr>
+              <a:t>Events</a:t>
+            </a:r>
+          </a:p>
+          <a:p>
+            <a:endParaRPr lang="en-US" dirty="0">
+              <a:solidFill>
+                <a:schemeClr val="tx1"/>
+              </a:solidFill>
+            </a:endParaRPr>
+          </a:p>
+          <a:p>
+            <a:r>
+              <a:rPr lang="en-US" dirty="0">
+                <a:solidFill>
+                  <a:schemeClr val="tx1"/>
+                </a:solidFill>
+              </a:rPr>
+              <a:t>ideas</a:t>
+            </a:r>
+          </a:p>
+          <a:p>
+            <a:endParaRPr lang="en-US" dirty="0">
+              <a:solidFill>
+                <a:schemeClr val="tx1"/>
+              </a:solidFill>
+            </a:endParaRPr>
+          </a:p>
+          <a:p>
+            <a:r>
+              <a:rPr lang="en-US" dirty="0">
+                <a:solidFill>
+                  <a:schemeClr val="tx1"/>
+                </a:solidFill>
+              </a:rPr>
+              <a:t>News</a:t>
+            </a:r>
+          </a:p>
+          <a:p>
+            <a:endParaRPr lang="en-US" dirty="0">
+              <a:solidFill>
+                <a:schemeClr val="tx1"/>
+              </a:solidFill>
+            </a:endParaRPr>
+          </a:p>
+          <a:p>
+            <a:r>
+              <a:rPr lang="en-US" dirty="0">
+                <a:solidFill>
+                  <a:schemeClr val="tx1"/>
+                </a:solidFill>
+              </a:rPr>
+              <a:t>Logout</a:t>
+            </a:r>
+            <a:endParaRPr lang="en-US" dirty="0"/>
+          </a:p>
+        </p:txBody>
+      </p:sp>
+      <p:sp>
+        <p:nvSpPr>
+          <p:cNvPr id="14" name="Rectangle 13">
+            <a:extLst>
+              <a:ext uri="{FF2B5EF4-FFF2-40B4-BE49-F238E27FC236}">
+                <a16:creationId xmlns:a16="http://schemas.microsoft.com/office/drawing/2014/main" id="{D886C222-A98C-41AC-B33A-C13102137937}"/>
+              </a:ext>
+            </a:extLst>
+          </p:cNvPr>
+          <p:cNvSpPr/>
+          <p:nvPr/>
+        </p:nvSpPr>
+        <p:spPr>
+          <a:xfrm>
+            <a:off x="1394460" y="1356865"/>
+            <a:ext cx="662940" cy="400051"/>
+          </a:xfrm>
+          <a:prstGeom prst="rect">
+            <a:avLst/>
+          </a:prstGeom>
+          <a:solidFill>
+            <a:schemeClr val="accent1"/>
           </a:solidFill>
         </p:spPr>
         <p:style>
@@ -6890,18 +8302,30 @@
           <a:p>
             <a:pPr algn="ctr"/>
             <a:r>
-              <a:rPr lang="en-US" dirty="0"/>
-              <a:t>EXTRA ELEMENTS</a:t>
-            </a:r>
-          </a:p>
-        </p:txBody>
-      </p:sp>
-      <p:sp>
-        <p:nvSpPr>
-          <p:cNvPr id="5" name="Rectangle 4">
-            <a:extLst>
-              <a:ext uri="{FF2B5EF4-FFF2-40B4-BE49-F238E27FC236}">
-                <a16:creationId xmlns:a16="http://schemas.microsoft.com/office/drawing/2014/main" id="{60EBCFCF-4234-4516-8D53-A25762F691F7}"/>
+              <a:rPr lang="en-US" dirty="0">
+                <a:ln w="0"/>
+                <a:solidFill>
+                  <a:schemeClr val="tx1"/>
+                </a:solidFill>
+                <a:effectLst>
+                  <a:outerShdw blurRad="38100" dist="19050" dir="2700000" algn="tl" rotWithShape="0">
+                    <a:schemeClr val="dk1">
+                      <a:alpha val="40000"/>
+                    </a:schemeClr>
+                  </a:outerShdw>
+                </a:effectLst>
+              </a:rPr>
+              <a:t>MAP</a:t>
+            </a:r>
+          </a:p>
+        </p:txBody>
+      </p:sp>
+      <p:sp>
+        <p:nvSpPr>
+          <p:cNvPr id="15" name="Rectangle 14">
+            <a:extLst>
+              <a:ext uri="{FF2B5EF4-FFF2-40B4-BE49-F238E27FC236}">
+                <a16:creationId xmlns:a16="http://schemas.microsoft.com/office/drawing/2014/main" id="{60E5CC78-BB3B-4E6F-BC16-AE2E401DA4BA}"/>
               </a:ext>
             </a:extLst>
           </p:cNvPr>
@@ -6910,12 +8334,15 @@
         </p:nvSpPr>
         <p:spPr>
           <a:xfrm>
-            <a:off x="9109710" y="205740"/>
-            <a:ext cx="2899410" cy="6240780"/>
-          </a:xfrm>
-          <a:prstGeom prst="rect">
-            <a:avLst/>
-          </a:prstGeom>
+            <a:off x="131445" y="-589270"/>
+            <a:ext cx="1263015" cy="532120"/>
+          </a:xfrm>
+          <a:prstGeom prst="rect">
+            <a:avLst/>
+          </a:prstGeom>
+          <a:solidFill>
+            <a:srgbClr val="FF0000"/>
+          </a:solidFill>
         </p:spPr>
         <p:style>
           <a:lnRef idx="2">
@@ -6936,16 +8363,19 @@
           <a:lstStyle/>
           <a:p>
             <a:pPr algn="ctr"/>
-            <a:endParaRPr lang="en-US" dirty="0"/>
-          </a:p>
-        </p:txBody>
-      </p:sp>
-      <p:sp>
-        <p:nvSpPr>
-          <p:cNvPr id="6" name="Rectangle 5">
-            <a:extLst>
-              <a:ext uri="{FF2B5EF4-FFF2-40B4-BE49-F238E27FC236}">
-                <a16:creationId xmlns:a16="http://schemas.microsoft.com/office/drawing/2014/main" id="{B9F7F01F-ACBE-450F-B3FA-3AA1680C14BD}"/>
+            <a:r>
+              <a:rPr lang="en-US" dirty="0"/>
+              <a:t>Create Idea</a:t>
+            </a:r>
+          </a:p>
+        </p:txBody>
+      </p:sp>
+      <p:sp>
+        <p:nvSpPr>
+          <p:cNvPr id="2" name="Rectangle 1">
+            <a:extLst>
+              <a:ext uri="{FF2B5EF4-FFF2-40B4-BE49-F238E27FC236}">
+                <a16:creationId xmlns:a16="http://schemas.microsoft.com/office/drawing/2014/main" id="{07288A71-D0CE-4856-9078-92D64399EE90}"/>
               </a:ext>
             </a:extLst>
           </p:cNvPr>
@@ -6954,8 +8384,8 @@
         </p:nvSpPr>
         <p:spPr>
           <a:xfrm>
-            <a:off x="9441180" y="411480"/>
-            <a:ext cx="2436495" cy="331470"/>
+            <a:off x="3303270" y="377190"/>
+            <a:ext cx="5795010" cy="537210"/>
           </a:xfrm>
           <a:prstGeom prst="rect">
             <a:avLst/>
@@ -6982,17 +8412,17 @@
             <a:pPr algn="ctr"/>
             <a:r>
               <a:rPr lang="en-US" dirty="0"/>
-              <a:t>USER INFO</a:t>
-            </a:r>
-          </a:p>
-        </p:txBody>
-      </p:sp>
-      <p:sp>
-        <p:nvSpPr>
-          <p:cNvPr id="7" name="Rectangle 6">
-            <a:extLst>
-              <a:ext uri="{FF2B5EF4-FFF2-40B4-BE49-F238E27FC236}">
-                <a16:creationId xmlns:a16="http://schemas.microsoft.com/office/drawing/2014/main" id="{3E58D397-B869-4A3C-9583-58F49121F2EB}"/>
+              <a:t>Title</a:t>
+            </a:r>
+          </a:p>
+        </p:txBody>
+      </p:sp>
+      <p:sp>
+        <p:nvSpPr>
+          <p:cNvPr id="3" name="Rectangle 2">
+            <a:extLst>
+              <a:ext uri="{FF2B5EF4-FFF2-40B4-BE49-F238E27FC236}">
+                <a16:creationId xmlns:a16="http://schemas.microsoft.com/office/drawing/2014/main" id="{45389B79-2FF5-402E-8C66-33442D539BA3}"/>
               </a:ext>
             </a:extLst>
           </p:cNvPr>
@@ -7001,8 +8431,8 @@
         </p:nvSpPr>
         <p:spPr>
           <a:xfrm>
-            <a:off x="9441180" y="1097280"/>
-            <a:ext cx="2436495" cy="480060"/>
+            <a:off x="3303270" y="1356865"/>
+            <a:ext cx="6549390" cy="1923545"/>
           </a:xfrm>
           <a:prstGeom prst="rect">
             <a:avLst/>
@@ -7029,17 +8459,17 @@
             <a:pPr algn="ctr"/>
             <a:r>
               <a:rPr lang="en-US" dirty="0"/>
-              <a:t>FIRST NAME</a:t>
-            </a:r>
-          </a:p>
-        </p:txBody>
-      </p:sp>
-      <p:sp>
-        <p:nvSpPr>
-          <p:cNvPr id="8" name="Rectangle 7">
-            <a:extLst>
-              <a:ext uri="{FF2B5EF4-FFF2-40B4-BE49-F238E27FC236}">
-                <a16:creationId xmlns:a16="http://schemas.microsoft.com/office/drawing/2014/main" id="{E2180D9F-4AEE-4B15-AC3E-F3DB383A7345}"/>
+              <a:t>Description</a:t>
+            </a:r>
+          </a:p>
+        </p:txBody>
+      </p:sp>
+      <p:sp>
+        <p:nvSpPr>
+          <p:cNvPr id="5" name="Rectangle 4">
+            <a:extLst>
+              <a:ext uri="{FF2B5EF4-FFF2-40B4-BE49-F238E27FC236}">
+                <a16:creationId xmlns:a16="http://schemas.microsoft.com/office/drawing/2014/main" id="{1680478E-199F-43B8-9DCF-CBA6F3F93858}"/>
               </a:ext>
             </a:extLst>
           </p:cNvPr>
@@ -7048,8 +8478,8 @@
         </p:nvSpPr>
         <p:spPr>
           <a:xfrm>
-            <a:off x="9441180" y="1733550"/>
-            <a:ext cx="2436495" cy="480060"/>
+            <a:off x="3303270" y="3548390"/>
+            <a:ext cx="3577590" cy="509260"/>
           </a:xfrm>
           <a:prstGeom prst="rect">
             <a:avLst/>
@@ -7076,17 +8506,17 @@
             <a:pPr algn="ctr"/>
             <a:r>
               <a:rPr lang="en-US" dirty="0"/>
-              <a:t>LAST NAME</a:t>
-            </a:r>
-          </a:p>
-        </p:txBody>
-      </p:sp>
-      <p:sp>
-        <p:nvSpPr>
-          <p:cNvPr id="9" name="Rectangle 8">
-            <a:extLst>
-              <a:ext uri="{FF2B5EF4-FFF2-40B4-BE49-F238E27FC236}">
-                <a16:creationId xmlns:a16="http://schemas.microsoft.com/office/drawing/2014/main" id="{28ED14DB-DC62-448B-8F80-22A86E87ECD3}"/>
+              <a:t>Time frame</a:t>
+            </a:r>
+          </a:p>
+        </p:txBody>
+      </p:sp>
+      <p:sp>
+        <p:nvSpPr>
+          <p:cNvPr id="11" name="Rectangle 10">
+            <a:extLst>
+              <a:ext uri="{FF2B5EF4-FFF2-40B4-BE49-F238E27FC236}">
+                <a16:creationId xmlns:a16="http://schemas.microsoft.com/office/drawing/2014/main" id="{905131C8-B6C9-4781-9EA2-D9964F92F90F}"/>
               </a:ext>
             </a:extLst>
           </p:cNvPr>
@@ -7095,8 +8525,8 @@
         </p:nvSpPr>
         <p:spPr>
           <a:xfrm>
-            <a:off x="9441180" y="2369820"/>
-            <a:ext cx="2436495" cy="480060"/>
+            <a:off x="3623310" y="6226180"/>
+            <a:ext cx="2114550" cy="509260"/>
           </a:xfrm>
           <a:prstGeom prst="rect">
             <a:avLst/>
@@ -7123,17 +8553,17 @@
             <a:pPr algn="ctr"/>
             <a:r>
               <a:rPr lang="en-US" dirty="0"/>
-              <a:t>EMAIL</a:t>
-            </a:r>
-          </a:p>
-        </p:txBody>
-      </p:sp>
-      <p:sp>
-        <p:nvSpPr>
-          <p:cNvPr id="10" name="Rectangle 9">
-            <a:extLst>
-              <a:ext uri="{FF2B5EF4-FFF2-40B4-BE49-F238E27FC236}">
-                <a16:creationId xmlns:a16="http://schemas.microsoft.com/office/drawing/2014/main" id="{B00D70BD-3140-4AE8-BF45-EF9D3E36F8AE}"/>
+              <a:t>submit</a:t>
+            </a:r>
+          </a:p>
+        </p:txBody>
+      </p:sp>
+      <p:sp>
+        <p:nvSpPr>
+          <p:cNvPr id="13" name="Rectangle 12">
+            <a:extLst>
+              <a:ext uri="{FF2B5EF4-FFF2-40B4-BE49-F238E27FC236}">
+                <a16:creationId xmlns:a16="http://schemas.microsoft.com/office/drawing/2014/main" id="{0C08DC54-F7DA-4B74-9C4F-2E39F48C9450}"/>
               </a:ext>
             </a:extLst>
           </p:cNvPr>
@@ -7142,15 +8572,12 @@
         </p:nvSpPr>
         <p:spPr>
           <a:xfrm>
-            <a:off x="9597390" y="5783580"/>
-            <a:ext cx="1764030" cy="480060"/>
-          </a:xfrm>
-          <a:prstGeom prst="rect">
-            <a:avLst/>
-          </a:prstGeom>
-          <a:solidFill>
-            <a:schemeClr val="accent1"/>
-          </a:solidFill>
+            <a:off x="7418070" y="3548390"/>
+            <a:ext cx="2434590" cy="543550"/>
+          </a:xfrm>
+          <a:prstGeom prst="rect">
+            <a:avLst/>
+          </a:prstGeom>
         </p:spPr>
         <p:style>
           <a:lnRef idx="2">
@@ -7173,6 +8600,553 @@
             <a:pPr algn="ctr"/>
             <a:r>
               <a:rPr lang="en-US" dirty="0"/>
+              <a:t>Type of event</a:t>
+            </a:r>
+          </a:p>
+        </p:txBody>
+      </p:sp>
+    </p:spTree>
+    <p:extLst>
+      <p:ext uri="{BB962C8B-B14F-4D97-AF65-F5344CB8AC3E}">
+        <p14:creationId xmlns:p14="http://schemas.microsoft.com/office/powerpoint/2010/main" val="1155430760"/>
+      </p:ext>
+    </p:extLst>
+  </p:cSld>
+  <p:clrMapOvr>
+    <a:masterClrMapping/>
+  </p:clrMapOvr>
+</p:sld>
+</file>
+
+<file path=ppt/slides/slide7.xml><?xml version="1.0" encoding="utf-8"?>
+<p:sld xmlns:a="http://schemas.openxmlformats.org/drawingml/2006/main" xmlns:r="http://schemas.openxmlformats.org/officeDocument/2006/relationships" xmlns:p="http://schemas.openxmlformats.org/presentationml/2006/main">
+  <p:cSld>
+    <p:spTree>
+      <p:nvGrpSpPr>
+        <p:cNvPr id="1" name=""/>
+        <p:cNvGrpSpPr/>
+        <p:nvPr/>
+      </p:nvGrpSpPr>
+      <p:grpSpPr>
+        <a:xfrm>
+          <a:off x="0" y="0"/>
+          <a:ext cx="0" cy="0"/>
+          <a:chOff x="0" y="0"/>
+          <a:chExt cx="0" cy="0"/>
+        </a:xfrm>
+      </p:grpSpPr>
+      <p:sp>
+        <p:nvSpPr>
+          <p:cNvPr id="4" name="Rectangle 3">
+            <a:extLst>
+              <a:ext uri="{FF2B5EF4-FFF2-40B4-BE49-F238E27FC236}">
+                <a16:creationId xmlns:a16="http://schemas.microsoft.com/office/drawing/2014/main" id="{511736B7-74E5-40A6-BE8B-365ED125F505}"/>
+              </a:ext>
+            </a:extLst>
+          </p:cNvPr>
+          <p:cNvSpPr/>
+          <p:nvPr/>
+        </p:nvSpPr>
+        <p:spPr>
+          <a:xfrm>
+            <a:off x="5680710" y="566989"/>
+            <a:ext cx="5280660" cy="4560570"/>
+          </a:xfrm>
+          <a:prstGeom prst="rect">
+            <a:avLst/>
+          </a:prstGeom>
+        </p:spPr>
+        <p:style>
+          <a:lnRef idx="2">
+            <a:schemeClr val="dk1"/>
+          </a:lnRef>
+          <a:fillRef idx="1">
+            <a:schemeClr val="lt1"/>
+          </a:fillRef>
+          <a:effectRef idx="0">
+            <a:schemeClr val="dk1"/>
+          </a:effectRef>
+          <a:fontRef idx="minor">
+            <a:schemeClr val="dk1"/>
+          </a:fontRef>
+        </p:style>
+        <p:txBody>
+          <a:bodyPr rtlCol="0" anchor="ctr"/>
+          <a:lstStyle/>
+          <a:p>
+            <a:pPr algn="ctr"/>
+            <a:r>
+              <a:rPr lang="en-US" dirty="0"/>
+              <a:t>GOOGLE MAP</a:t>
+            </a:r>
+          </a:p>
+          <a:p>
+            <a:pPr algn="ctr"/>
+            <a:r>
+              <a:rPr lang="en-US"/>
+              <a:t>API ?</a:t>
+            </a:r>
+            <a:endParaRPr lang="en-US" dirty="0"/>
+          </a:p>
+        </p:txBody>
+      </p:sp>
+      <p:sp>
+        <p:nvSpPr>
+          <p:cNvPr id="5" name="Rectangle 4">
+            <a:extLst>
+              <a:ext uri="{FF2B5EF4-FFF2-40B4-BE49-F238E27FC236}">
+                <a16:creationId xmlns:a16="http://schemas.microsoft.com/office/drawing/2014/main" id="{18B26273-078E-48F6-A9AA-E362FE1C6F70}"/>
+              </a:ext>
+            </a:extLst>
+          </p:cNvPr>
+          <p:cNvSpPr/>
+          <p:nvPr/>
+        </p:nvSpPr>
+        <p:spPr>
+          <a:xfrm>
+            <a:off x="131445" y="-589270"/>
+            <a:ext cx="1263015" cy="532120"/>
+          </a:xfrm>
+          <a:prstGeom prst="rect">
+            <a:avLst/>
+          </a:prstGeom>
+          <a:solidFill>
+            <a:srgbClr val="FF0000"/>
+          </a:solidFill>
+        </p:spPr>
+        <p:style>
+          <a:lnRef idx="2">
+            <a:schemeClr val="dk1"/>
+          </a:lnRef>
+          <a:fillRef idx="1">
+            <a:schemeClr val="lt1"/>
+          </a:fillRef>
+          <a:effectRef idx="0">
+            <a:schemeClr val="dk1"/>
+          </a:effectRef>
+          <a:fontRef idx="minor">
+            <a:schemeClr val="dk1"/>
+          </a:fontRef>
+        </p:style>
+        <p:txBody>
+          <a:bodyPr rtlCol="0" anchor="ctr"/>
+          <a:lstStyle/>
+          <a:p>
+            <a:pPr algn="ctr"/>
+            <a:r>
+              <a:rPr lang="en-US" dirty="0"/>
+              <a:t>MAPS</a:t>
+            </a:r>
+          </a:p>
+        </p:txBody>
+      </p:sp>
+      <p:sp>
+        <p:nvSpPr>
+          <p:cNvPr id="6" name="Rectangle 5">
+            <a:extLst>
+              <a:ext uri="{FF2B5EF4-FFF2-40B4-BE49-F238E27FC236}">
+                <a16:creationId xmlns:a16="http://schemas.microsoft.com/office/drawing/2014/main" id="{A8AF8A8C-0F9D-4B5E-AABA-E4415370A07B}"/>
+              </a:ext>
+            </a:extLst>
+          </p:cNvPr>
+          <p:cNvSpPr/>
+          <p:nvPr/>
+        </p:nvSpPr>
+        <p:spPr>
+          <a:xfrm>
+            <a:off x="1394460" y="882519"/>
+            <a:ext cx="3377565" cy="3929509"/>
+          </a:xfrm>
+          <a:prstGeom prst="rect">
+            <a:avLst/>
+          </a:prstGeom>
+          <a:solidFill>
+            <a:schemeClr val="accent3"/>
+          </a:solidFill>
+        </p:spPr>
+        <p:style>
+          <a:lnRef idx="2">
+            <a:schemeClr val="dk1"/>
+          </a:lnRef>
+          <a:fillRef idx="1">
+            <a:schemeClr val="lt1"/>
+          </a:fillRef>
+          <a:effectRef idx="0">
+            <a:schemeClr val="dk1"/>
+          </a:effectRef>
+          <a:fontRef idx="minor">
+            <a:schemeClr val="dk1"/>
+          </a:fontRef>
+        </p:style>
+        <p:txBody>
+          <a:bodyPr rtlCol="0" anchor="ctr"/>
+          <a:lstStyle/>
+          <a:p>
+            <a:pPr algn="ctr"/>
+            <a:r>
+              <a:rPr lang="en-US" dirty="0"/>
+              <a:t>YOUR EVENTS</a:t>
+            </a:r>
+          </a:p>
+        </p:txBody>
+      </p:sp>
+    </p:spTree>
+    <p:extLst>
+      <p:ext uri="{BB962C8B-B14F-4D97-AF65-F5344CB8AC3E}">
+        <p14:creationId xmlns:p14="http://schemas.microsoft.com/office/powerpoint/2010/main" val="1268148622"/>
+      </p:ext>
+    </p:extLst>
+  </p:cSld>
+  <p:clrMapOvr>
+    <a:masterClrMapping/>
+  </p:clrMapOvr>
+</p:sld>
+</file>
+
+<file path=ppt/slides/slide8.xml><?xml version="1.0" encoding="utf-8"?>
+<p:sld xmlns:a="http://schemas.openxmlformats.org/drawingml/2006/main" xmlns:r="http://schemas.openxmlformats.org/officeDocument/2006/relationships" xmlns:p="http://schemas.openxmlformats.org/presentationml/2006/main">
+  <p:cSld>
+    <p:spTree>
+      <p:nvGrpSpPr>
+        <p:cNvPr id="1" name=""/>
+        <p:cNvGrpSpPr/>
+        <p:nvPr/>
+      </p:nvGrpSpPr>
+      <p:grpSpPr>
+        <a:xfrm>
+          <a:off x="0" y="0"/>
+          <a:ext cx="0" cy="0"/>
+          <a:chOff x="0" y="0"/>
+          <a:chExt cx="0" cy="0"/>
+        </a:xfrm>
+      </p:grpSpPr>
+      <p:sp>
+        <p:nvSpPr>
+          <p:cNvPr id="4" name="Rectangle 3">
+            <a:extLst>
+              <a:ext uri="{FF2B5EF4-FFF2-40B4-BE49-F238E27FC236}">
+                <a16:creationId xmlns:a16="http://schemas.microsoft.com/office/drawing/2014/main" id="{F31150BC-B7F2-4F8C-8A6C-60BA57BB9702}"/>
+              </a:ext>
+            </a:extLst>
+          </p:cNvPr>
+          <p:cNvSpPr/>
+          <p:nvPr/>
+        </p:nvSpPr>
+        <p:spPr>
+          <a:xfrm>
+            <a:off x="131445" y="-589270"/>
+            <a:ext cx="1263015" cy="532120"/>
+          </a:xfrm>
+          <a:prstGeom prst="rect">
+            <a:avLst/>
+          </a:prstGeom>
+          <a:solidFill>
+            <a:srgbClr val="FF0000"/>
+          </a:solidFill>
+        </p:spPr>
+        <p:style>
+          <a:lnRef idx="2">
+            <a:schemeClr val="dk1"/>
+          </a:lnRef>
+          <a:fillRef idx="1">
+            <a:schemeClr val="lt1"/>
+          </a:fillRef>
+          <a:effectRef idx="0">
+            <a:schemeClr val="dk1"/>
+          </a:effectRef>
+          <a:fontRef idx="minor">
+            <a:schemeClr val="dk1"/>
+          </a:fontRef>
+        </p:style>
+        <p:txBody>
+          <a:bodyPr rtlCol="0" anchor="ctr"/>
+          <a:lstStyle/>
+          <a:p>
+            <a:pPr algn="ctr"/>
+            <a:r>
+              <a:rPr lang="en-US" dirty="0"/>
+              <a:t>EXTRA ELEMENTS</a:t>
+            </a:r>
+          </a:p>
+        </p:txBody>
+      </p:sp>
+      <p:sp>
+        <p:nvSpPr>
+          <p:cNvPr id="5" name="Rectangle 4">
+            <a:extLst>
+              <a:ext uri="{FF2B5EF4-FFF2-40B4-BE49-F238E27FC236}">
+                <a16:creationId xmlns:a16="http://schemas.microsoft.com/office/drawing/2014/main" id="{60EBCFCF-4234-4516-8D53-A25762F691F7}"/>
+              </a:ext>
+            </a:extLst>
+          </p:cNvPr>
+          <p:cNvSpPr/>
+          <p:nvPr/>
+        </p:nvSpPr>
+        <p:spPr>
+          <a:xfrm>
+            <a:off x="9109710" y="205740"/>
+            <a:ext cx="2899410" cy="6240780"/>
+          </a:xfrm>
+          <a:prstGeom prst="rect">
+            <a:avLst/>
+          </a:prstGeom>
+        </p:spPr>
+        <p:style>
+          <a:lnRef idx="2">
+            <a:schemeClr val="dk1"/>
+          </a:lnRef>
+          <a:fillRef idx="1">
+            <a:schemeClr val="lt1"/>
+          </a:fillRef>
+          <a:effectRef idx="0">
+            <a:schemeClr val="dk1"/>
+          </a:effectRef>
+          <a:fontRef idx="minor">
+            <a:schemeClr val="dk1"/>
+          </a:fontRef>
+        </p:style>
+        <p:txBody>
+          <a:bodyPr rtlCol="0" anchor="ctr"/>
+          <a:lstStyle/>
+          <a:p>
+            <a:pPr algn="ctr"/>
+            <a:endParaRPr lang="en-US" dirty="0"/>
+          </a:p>
+        </p:txBody>
+      </p:sp>
+      <p:sp>
+        <p:nvSpPr>
+          <p:cNvPr id="6" name="Rectangle 5">
+            <a:extLst>
+              <a:ext uri="{FF2B5EF4-FFF2-40B4-BE49-F238E27FC236}">
+                <a16:creationId xmlns:a16="http://schemas.microsoft.com/office/drawing/2014/main" id="{B9F7F01F-ACBE-450F-B3FA-3AA1680C14BD}"/>
+              </a:ext>
+            </a:extLst>
+          </p:cNvPr>
+          <p:cNvSpPr/>
+          <p:nvPr/>
+        </p:nvSpPr>
+        <p:spPr>
+          <a:xfrm>
+            <a:off x="9441180" y="411480"/>
+            <a:ext cx="2436495" cy="331470"/>
+          </a:xfrm>
+          <a:prstGeom prst="rect">
+            <a:avLst/>
+          </a:prstGeom>
+        </p:spPr>
+        <p:style>
+          <a:lnRef idx="2">
+            <a:schemeClr val="dk1"/>
+          </a:lnRef>
+          <a:fillRef idx="1">
+            <a:schemeClr val="lt1"/>
+          </a:fillRef>
+          <a:effectRef idx="0">
+            <a:schemeClr val="dk1"/>
+          </a:effectRef>
+          <a:fontRef idx="minor">
+            <a:schemeClr val="dk1"/>
+          </a:fontRef>
+        </p:style>
+        <p:txBody>
+          <a:bodyPr rtlCol="0" anchor="ctr"/>
+          <a:lstStyle/>
+          <a:p>
+            <a:pPr algn="ctr"/>
+            <a:r>
+              <a:rPr lang="en-US" dirty="0"/>
+              <a:t>USER INFO</a:t>
+            </a:r>
+          </a:p>
+        </p:txBody>
+      </p:sp>
+      <p:sp>
+        <p:nvSpPr>
+          <p:cNvPr id="7" name="Rectangle 6">
+            <a:extLst>
+              <a:ext uri="{FF2B5EF4-FFF2-40B4-BE49-F238E27FC236}">
+                <a16:creationId xmlns:a16="http://schemas.microsoft.com/office/drawing/2014/main" id="{3E58D397-B869-4A3C-9583-58F49121F2EB}"/>
+              </a:ext>
+            </a:extLst>
+          </p:cNvPr>
+          <p:cNvSpPr/>
+          <p:nvPr/>
+        </p:nvSpPr>
+        <p:spPr>
+          <a:xfrm>
+            <a:off x="9441180" y="1097280"/>
+            <a:ext cx="2436495" cy="480060"/>
+          </a:xfrm>
+          <a:prstGeom prst="rect">
+            <a:avLst/>
+          </a:prstGeom>
+        </p:spPr>
+        <p:style>
+          <a:lnRef idx="2">
+            <a:schemeClr val="dk1"/>
+          </a:lnRef>
+          <a:fillRef idx="1">
+            <a:schemeClr val="lt1"/>
+          </a:fillRef>
+          <a:effectRef idx="0">
+            <a:schemeClr val="dk1"/>
+          </a:effectRef>
+          <a:fontRef idx="minor">
+            <a:schemeClr val="dk1"/>
+          </a:fontRef>
+        </p:style>
+        <p:txBody>
+          <a:bodyPr rtlCol="0" anchor="ctr"/>
+          <a:lstStyle/>
+          <a:p>
+            <a:pPr algn="ctr"/>
+            <a:r>
+              <a:rPr lang="en-US" dirty="0"/>
+              <a:t>FIRST NAME</a:t>
+            </a:r>
+          </a:p>
+        </p:txBody>
+      </p:sp>
+      <p:sp>
+        <p:nvSpPr>
+          <p:cNvPr id="8" name="Rectangle 7">
+            <a:extLst>
+              <a:ext uri="{FF2B5EF4-FFF2-40B4-BE49-F238E27FC236}">
+                <a16:creationId xmlns:a16="http://schemas.microsoft.com/office/drawing/2014/main" id="{E2180D9F-4AEE-4B15-AC3E-F3DB383A7345}"/>
+              </a:ext>
+            </a:extLst>
+          </p:cNvPr>
+          <p:cNvSpPr/>
+          <p:nvPr/>
+        </p:nvSpPr>
+        <p:spPr>
+          <a:xfrm>
+            <a:off x="9441180" y="1733550"/>
+            <a:ext cx="2436495" cy="480060"/>
+          </a:xfrm>
+          <a:prstGeom prst="rect">
+            <a:avLst/>
+          </a:prstGeom>
+        </p:spPr>
+        <p:style>
+          <a:lnRef idx="2">
+            <a:schemeClr val="dk1"/>
+          </a:lnRef>
+          <a:fillRef idx="1">
+            <a:schemeClr val="lt1"/>
+          </a:fillRef>
+          <a:effectRef idx="0">
+            <a:schemeClr val="dk1"/>
+          </a:effectRef>
+          <a:fontRef idx="minor">
+            <a:schemeClr val="dk1"/>
+          </a:fontRef>
+        </p:style>
+        <p:txBody>
+          <a:bodyPr rtlCol="0" anchor="ctr"/>
+          <a:lstStyle/>
+          <a:p>
+            <a:pPr algn="ctr"/>
+            <a:r>
+              <a:rPr lang="en-US" dirty="0"/>
+              <a:t>LAST NAME</a:t>
+            </a:r>
+          </a:p>
+        </p:txBody>
+      </p:sp>
+      <p:sp>
+        <p:nvSpPr>
+          <p:cNvPr id="9" name="Rectangle 8">
+            <a:extLst>
+              <a:ext uri="{FF2B5EF4-FFF2-40B4-BE49-F238E27FC236}">
+                <a16:creationId xmlns:a16="http://schemas.microsoft.com/office/drawing/2014/main" id="{28ED14DB-DC62-448B-8F80-22A86E87ECD3}"/>
+              </a:ext>
+            </a:extLst>
+          </p:cNvPr>
+          <p:cNvSpPr/>
+          <p:nvPr/>
+        </p:nvSpPr>
+        <p:spPr>
+          <a:xfrm>
+            <a:off x="9441180" y="2369820"/>
+            <a:ext cx="2436495" cy="480060"/>
+          </a:xfrm>
+          <a:prstGeom prst="rect">
+            <a:avLst/>
+          </a:prstGeom>
+        </p:spPr>
+        <p:style>
+          <a:lnRef idx="2">
+            <a:schemeClr val="dk1"/>
+          </a:lnRef>
+          <a:fillRef idx="1">
+            <a:schemeClr val="lt1"/>
+          </a:fillRef>
+          <a:effectRef idx="0">
+            <a:schemeClr val="dk1"/>
+          </a:effectRef>
+          <a:fontRef idx="minor">
+            <a:schemeClr val="dk1"/>
+          </a:fontRef>
+        </p:style>
+        <p:txBody>
+          <a:bodyPr rtlCol="0" anchor="ctr"/>
+          <a:lstStyle/>
+          <a:p>
+            <a:pPr algn="ctr"/>
+            <a:r>
+              <a:rPr lang="en-US" dirty="0"/>
+              <a:t>EMAIL</a:t>
+            </a:r>
+          </a:p>
+        </p:txBody>
+      </p:sp>
+      <p:sp>
+        <p:nvSpPr>
+          <p:cNvPr id="10" name="Rectangle 9">
+            <a:extLst>
+              <a:ext uri="{FF2B5EF4-FFF2-40B4-BE49-F238E27FC236}">
+                <a16:creationId xmlns:a16="http://schemas.microsoft.com/office/drawing/2014/main" id="{B00D70BD-3140-4AE8-BF45-EF9D3E36F8AE}"/>
+              </a:ext>
+            </a:extLst>
+          </p:cNvPr>
+          <p:cNvSpPr/>
+          <p:nvPr/>
+        </p:nvSpPr>
+        <p:spPr>
+          <a:xfrm>
+            <a:off x="9597390" y="5783580"/>
+            <a:ext cx="1764030" cy="480060"/>
+          </a:xfrm>
+          <a:prstGeom prst="rect">
+            <a:avLst/>
+          </a:prstGeom>
+          <a:solidFill>
+            <a:schemeClr val="accent1"/>
+          </a:solidFill>
+        </p:spPr>
+        <p:style>
+          <a:lnRef idx="2">
+            <a:schemeClr val="dk1"/>
+          </a:lnRef>
+          <a:fillRef idx="1">
+            <a:schemeClr val="lt1"/>
+          </a:fillRef>
+          <a:effectRef idx="0">
+            <a:schemeClr val="dk1"/>
+          </a:effectRef>
+          <a:fontRef idx="minor">
+            <a:schemeClr val="dk1"/>
+          </a:fontRef>
+        </p:style>
+        <p:txBody>
+          <a:bodyPr rtlCol="0" anchor="ctr"/>
+          <a:lstStyle/>
+          <a:p>
+            <a:pPr algn="ctr"/>
+            <a:r>
+              <a:rPr lang="en-US" dirty="0"/>
               <a:t>SAVE &amp; UPDATE</a:t>
             </a:r>
           </a:p>
@@ -7182,6 +9156,86 @@
     <p:extLst>
       <p:ext uri="{BB962C8B-B14F-4D97-AF65-F5344CB8AC3E}">
         <p14:creationId xmlns:p14="http://schemas.microsoft.com/office/powerpoint/2010/main" val="2698511642"/>
+      </p:ext>
+    </p:extLst>
+  </p:cSld>
+  <p:clrMapOvr>
+    <a:masterClrMapping/>
+  </p:clrMapOvr>
+</p:sld>
+</file>
+
+<file path=ppt/slides/slide9.xml><?xml version="1.0" encoding="utf-8"?>
+<p:sld xmlns:a="http://schemas.openxmlformats.org/drawingml/2006/main" xmlns:r="http://schemas.openxmlformats.org/officeDocument/2006/relationships" xmlns:p="http://schemas.openxmlformats.org/presentationml/2006/main">
+  <p:cSld>
+    <p:spTree>
+      <p:nvGrpSpPr>
+        <p:cNvPr id="1" name=""/>
+        <p:cNvGrpSpPr/>
+        <p:nvPr/>
+      </p:nvGrpSpPr>
+      <p:grpSpPr>
+        <a:xfrm>
+          <a:off x="0" y="0"/>
+          <a:ext cx="0" cy="0"/>
+          <a:chOff x="0" y="0"/>
+          <a:chExt cx="0" cy="0"/>
+        </a:xfrm>
+      </p:grpSpPr>
+      <p:sp>
+        <p:nvSpPr>
+          <p:cNvPr id="2" name="Title 1">
+            <a:extLst>
+              <a:ext uri="{FF2B5EF4-FFF2-40B4-BE49-F238E27FC236}">
+                <a16:creationId xmlns:a16="http://schemas.microsoft.com/office/drawing/2014/main" id="{516A52B0-4D3C-440A-A036-E338AE89D2A3}"/>
+              </a:ext>
+            </a:extLst>
+          </p:cNvPr>
+          <p:cNvSpPr>
+            <a:spLocks noGrp="1"/>
+          </p:cNvSpPr>
+          <p:nvPr>
+            <p:ph type="title"/>
+          </p:nvPr>
+        </p:nvSpPr>
+        <p:spPr/>
+        <p:txBody>
+          <a:bodyPr/>
+          <a:lstStyle/>
+          <a:p>
+            <a:endParaRPr lang="en-US"/>
+          </a:p>
+        </p:txBody>
+      </p:sp>
+      <p:sp>
+        <p:nvSpPr>
+          <p:cNvPr id="3" name="Content Placeholder 2">
+            <a:extLst>
+              <a:ext uri="{FF2B5EF4-FFF2-40B4-BE49-F238E27FC236}">
+                <a16:creationId xmlns:a16="http://schemas.microsoft.com/office/drawing/2014/main" id="{B9F42448-4562-407F-AEC3-0CCDDE82258B}"/>
+              </a:ext>
+            </a:extLst>
+          </p:cNvPr>
+          <p:cNvSpPr>
+            <a:spLocks noGrp="1"/>
+          </p:cNvSpPr>
+          <p:nvPr>
+            <p:ph idx="1"/>
+          </p:nvPr>
+        </p:nvSpPr>
+        <p:spPr/>
+        <p:txBody>
+          <a:bodyPr/>
+          <a:lstStyle/>
+          <a:p>
+            <a:endParaRPr lang="en-US"/>
+          </a:p>
+        </p:txBody>
+      </p:sp>
+    </p:spTree>
+    <p:extLst>
+      <p:ext uri="{BB962C8B-B14F-4D97-AF65-F5344CB8AC3E}">
+        <p14:creationId xmlns:p14="http://schemas.microsoft.com/office/powerpoint/2010/main" val="122120395"/>
       </p:ext>
     </p:extLst>
   </p:cSld>
